--- a/Later/Thread/58/Java Synchronization why.pptx
+++ b/Later/Thread/58/Java Synchronization why.pptx
@@ -193,7 +193,7 @@
           <a:p>
             <a:fld id="{62274EC6-3890-417B-9308-14EFBD00FA63}" type="datetimeFigureOut">
               <a:rPr lang="en-US" smtClean="0"/>
-              <a:t>12/8/2016</a:t>
+              <a:t>12/9/2016</a:t>
             </a:fld>
             <a:endParaRPr lang="en-US" dirty="0"/>
           </a:p>
@@ -821,7 +821,7 @@
             <a:fld id="{1D8BD707-D9CF-40AE-B4C6-C98DA3205C09}" type="datetimeFigureOut">
               <a:rPr lang="en-US" smtClean="0"/>
               <a:pPr/>
-              <a:t>12/8/2016</a:t>
+              <a:t>12/9/2016</a:t>
             </a:fld>
             <a:endParaRPr lang="en-US" dirty="0"/>
           </a:p>
@@ -993,7 +993,7 @@
             <a:fld id="{1D8BD707-D9CF-40AE-B4C6-C98DA3205C09}" type="datetimeFigureOut">
               <a:rPr lang="en-US" smtClean="0"/>
               <a:pPr/>
-              <a:t>12/8/2016</a:t>
+              <a:t>12/9/2016</a:t>
             </a:fld>
             <a:endParaRPr lang="en-US" dirty="0"/>
           </a:p>
@@ -1175,7 +1175,7 @@
             <a:fld id="{1D8BD707-D9CF-40AE-B4C6-C98DA3205C09}" type="datetimeFigureOut">
               <a:rPr lang="en-US" smtClean="0"/>
               <a:pPr/>
-              <a:t>12/8/2016</a:t>
+              <a:t>12/9/2016</a:t>
             </a:fld>
             <a:endParaRPr lang="en-US" dirty="0"/>
           </a:p>
@@ -1347,7 +1347,7 @@
             <a:fld id="{1D8BD707-D9CF-40AE-B4C6-C98DA3205C09}" type="datetimeFigureOut">
               <a:rPr lang="en-US" smtClean="0"/>
               <a:pPr/>
-              <a:t>12/8/2016</a:t>
+              <a:t>12/9/2016</a:t>
             </a:fld>
             <a:endParaRPr lang="en-US" dirty="0"/>
           </a:p>
@@ -1595,7 +1595,7 @@
             <a:fld id="{1D8BD707-D9CF-40AE-B4C6-C98DA3205C09}" type="datetimeFigureOut">
               <a:rPr lang="en-US" smtClean="0"/>
               <a:pPr/>
-              <a:t>12/8/2016</a:t>
+              <a:t>12/9/2016</a:t>
             </a:fld>
             <a:endParaRPr lang="en-US" dirty="0"/>
           </a:p>
@@ -1885,7 +1885,7 @@
             <a:fld id="{1D8BD707-D9CF-40AE-B4C6-C98DA3205C09}" type="datetimeFigureOut">
               <a:rPr lang="en-US" smtClean="0"/>
               <a:pPr/>
-              <a:t>12/8/2016</a:t>
+              <a:t>12/9/2016</a:t>
             </a:fld>
             <a:endParaRPr lang="en-US" dirty="0"/>
           </a:p>
@@ -2314,7 +2314,7 @@
             <a:fld id="{1D8BD707-D9CF-40AE-B4C6-C98DA3205C09}" type="datetimeFigureOut">
               <a:rPr lang="en-US" smtClean="0"/>
               <a:pPr/>
-              <a:t>12/8/2016</a:t>
+              <a:t>12/9/2016</a:t>
             </a:fld>
             <a:endParaRPr lang="en-US" dirty="0"/>
           </a:p>
@@ -2434,7 +2434,7 @@
             <a:fld id="{1D8BD707-D9CF-40AE-B4C6-C98DA3205C09}" type="datetimeFigureOut">
               <a:rPr lang="en-US" smtClean="0"/>
               <a:pPr/>
-              <a:t>12/8/2016</a:t>
+              <a:t>12/9/2016</a:t>
             </a:fld>
             <a:endParaRPr lang="en-US" dirty="0"/>
           </a:p>
@@ -2531,7 +2531,7 @@
             <a:fld id="{1D8BD707-D9CF-40AE-B4C6-C98DA3205C09}" type="datetimeFigureOut">
               <a:rPr lang="en-US" smtClean="0"/>
               <a:pPr/>
-              <a:t>12/8/2016</a:t>
+              <a:t>12/9/2016</a:t>
             </a:fld>
             <a:endParaRPr lang="en-US" dirty="0"/>
           </a:p>
@@ -2810,7 +2810,7 @@
             <a:fld id="{1D8BD707-D9CF-40AE-B4C6-C98DA3205C09}" type="datetimeFigureOut">
               <a:rPr lang="en-US" smtClean="0"/>
               <a:pPr/>
-              <a:t>12/8/2016</a:t>
+              <a:t>12/9/2016</a:t>
             </a:fld>
             <a:endParaRPr lang="en-US" dirty="0"/>
           </a:p>
@@ -3065,7 +3065,7 @@
             <a:fld id="{1D8BD707-D9CF-40AE-B4C6-C98DA3205C09}" type="datetimeFigureOut">
               <a:rPr lang="en-US" smtClean="0"/>
               <a:pPr/>
-              <a:t>12/8/2016</a:t>
+              <a:t>12/9/2016</a:t>
             </a:fld>
             <a:endParaRPr lang="en-US" dirty="0"/>
           </a:p>
@@ -3280,7 +3280,7 @@
             <a:fld id="{1D8BD707-D9CF-40AE-B4C6-C98DA3205C09}" type="datetimeFigureOut">
               <a:rPr lang="en-US" smtClean="0"/>
               <a:pPr/>
-              <a:t>12/8/2016</a:t>
+              <a:t>12/9/2016</a:t>
             </a:fld>
             <a:endParaRPr lang="en-US" dirty="0"/>
           </a:p>
@@ -3658,13 +3658,52 @@
       </p:grpSpPr>
       <p:sp>
         <p:nvSpPr>
+          <p:cNvPr id="47" name="Rectangle 46"/>
+          <p:cNvSpPr/>
+          <p:nvPr/>
+        </p:nvSpPr>
+        <p:spPr>
+          <a:xfrm>
+            <a:off x="142623" y="685799"/>
+            <a:ext cx="8836025" cy="4303067"/>
+          </a:xfrm>
+          <a:prstGeom prst="rect">
+            <a:avLst/>
+          </a:prstGeom>
+          <a:ln w="3175"/>
+        </p:spPr>
+        <p:style>
+          <a:lnRef idx="2">
+            <a:schemeClr val="accent4"/>
+          </a:lnRef>
+          <a:fillRef idx="1">
+            <a:schemeClr val="lt1"/>
+          </a:fillRef>
+          <a:effectRef idx="0">
+            <a:schemeClr val="accent4"/>
+          </a:effectRef>
+          <a:fontRef idx="minor">
+            <a:schemeClr val="dk1"/>
+          </a:fontRef>
+        </p:style>
+        <p:txBody>
+          <a:bodyPr rtlCol="0" anchor="ctr"/>
+          <a:lstStyle/>
+          <a:p>
+            <a:pPr algn="ctr"/>
+            <a:endParaRPr lang="en-US"/>
+          </a:p>
+        </p:txBody>
+      </p:sp>
+      <p:sp>
+        <p:nvSpPr>
           <p:cNvPr id="15" name="Rectangle 14"/>
           <p:cNvSpPr/>
           <p:nvPr/>
         </p:nvSpPr>
         <p:spPr>
           <a:xfrm>
-            <a:off x="7315200" y="3091249"/>
+            <a:off x="7302248" y="3050916"/>
             <a:ext cx="1447800" cy="1815982"/>
           </a:xfrm>
           <a:prstGeom prst="rect">
@@ -3794,7 +3833,7 @@
         </p:nvSpPr>
         <p:spPr>
           <a:xfrm>
-            <a:off x="2285999" y="3229749"/>
+            <a:off x="2273047" y="3189416"/>
             <a:ext cx="4495800" cy="1600200"/>
           </a:xfrm>
           <a:prstGeom prst="roundRect">
@@ -3833,7 +3872,7 @@
         </p:nvSpPr>
         <p:spPr>
           <a:xfrm>
-            <a:off x="3905329" y="2952750"/>
+            <a:off x="3892377" y="2912417"/>
             <a:ext cx="1196225" cy="276999"/>
           </a:xfrm>
           <a:prstGeom prst="rect">
@@ -3862,11 +3901,7 @@
           <a:p>
             <a:r>
               <a:rPr lang="en-US" sz="1200" dirty="0" smtClean="0"/>
-              <a:t>Shared </a:t>
-            </a:r>
-            <a:r>
-              <a:rPr lang="en-US" sz="1200" dirty="0" smtClean="0"/>
-              <a:t>resource</a:t>
+              <a:t>Shared resource</a:t>
             </a:r>
             <a:endParaRPr lang="en-US" sz="1200" dirty="0"/>
           </a:p>
@@ -3880,7 +3915,7 @@
         </p:nvSpPr>
         <p:spPr>
           <a:xfrm>
-            <a:off x="3434617" y="1405684"/>
+            <a:off x="3441131" y="1376882"/>
             <a:ext cx="638175" cy="1528016"/>
           </a:xfrm>
           <a:custGeom>
@@ -4349,7 +4384,7 @@
         </p:nvSpPr>
         <p:spPr>
           <a:xfrm>
-            <a:off x="5086217" y="1381121"/>
+            <a:off x="5073265" y="1340788"/>
             <a:ext cx="809758" cy="1600204"/>
           </a:xfrm>
           <a:custGeom>
@@ -4860,7 +4895,7 @@
         </p:nvSpPr>
         <p:spPr>
           <a:xfrm>
-            <a:off x="3434617" y="1104122"/>
+            <a:off x="3421665" y="1063789"/>
             <a:ext cx="338554" cy="276999"/>
           </a:xfrm>
           <a:prstGeom prst="rect">
@@ -4903,7 +4938,7 @@
         </p:nvSpPr>
         <p:spPr>
           <a:xfrm>
-            <a:off x="5767116" y="1104122"/>
+            <a:off x="5754164" y="1063789"/>
             <a:ext cx="338554" cy="276999"/>
           </a:xfrm>
           <a:prstGeom prst="rect">
@@ -4946,7 +4981,7 @@
         </p:nvSpPr>
         <p:spPr>
           <a:xfrm>
-            <a:off x="4057517" y="3657600"/>
+            <a:off x="4044565" y="3617267"/>
             <a:ext cx="1066800" cy="916564"/>
           </a:xfrm>
           <a:prstGeom prst="snip1Rect">
@@ -4988,7 +5023,7 @@
         </p:nvSpPr>
         <p:spPr>
           <a:xfrm>
-            <a:off x="4057517" y="3371076"/>
+            <a:off x="4044565" y="3330743"/>
             <a:ext cx="1006238" cy="276999"/>
           </a:xfrm>
           <a:prstGeom prst="rect">
@@ -5031,7 +5066,7 @@
         </p:nvSpPr>
         <p:spPr>
           <a:xfrm>
-            <a:off x="6433866" y="1086822"/>
+            <a:off x="6420914" y="1046489"/>
             <a:ext cx="1066800" cy="1088631"/>
           </a:xfrm>
           <a:prstGeom prst="snip1Rect">
@@ -5074,7 +5109,7 @@
         </p:nvSpPr>
         <p:spPr>
           <a:xfrm>
-            <a:off x="6433866" y="790000"/>
+            <a:off x="6420914" y="749667"/>
             <a:ext cx="1006238" cy="276999"/>
           </a:xfrm>
           <a:prstGeom prst="rect">
@@ -5117,7 +5152,7 @@
         </p:nvSpPr>
         <p:spPr>
           <a:xfrm>
-            <a:off x="7696200" y="1402537"/>
+            <a:off x="7683248" y="1362204"/>
             <a:ext cx="914400" cy="457200"/>
           </a:xfrm>
           <a:prstGeom prst="ellipse">
@@ -5159,7 +5194,7 @@
         </p:nvSpPr>
         <p:spPr>
           <a:xfrm>
-            <a:off x="2990929" y="3887282"/>
+            <a:off x="2977977" y="3846949"/>
             <a:ext cx="914400" cy="457200"/>
           </a:xfrm>
           <a:prstGeom prst="ellipse">
@@ -5201,7 +5236,7 @@
         </p:nvSpPr>
         <p:spPr>
           <a:xfrm>
-            <a:off x="1962229" y="1209041"/>
+            <a:off x="1949277" y="1168708"/>
             <a:ext cx="1066800" cy="1088631"/>
           </a:xfrm>
           <a:prstGeom prst="snip1Rect">
@@ -5244,7 +5279,7 @@
         </p:nvSpPr>
         <p:spPr>
           <a:xfrm>
-            <a:off x="1962229" y="912219"/>
+            <a:off x="1949277" y="871886"/>
             <a:ext cx="1006238" cy="276999"/>
           </a:xfrm>
           <a:prstGeom prst="rect">
@@ -5287,7 +5322,7 @@
         </p:nvSpPr>
         <p:spPr>
           <a:xfrm>
-            <a:off x="822404" y="1304186"/>
+            <a:off x="809452" y="1263853"/>
             <a:ext cx="914400" cy="457200"/>
           </a:xfrm>
           <a:prstGeom prst="ellipse">
@@ -5329,7 +5364,7 @@
         </p:nvSpPr>
         <p:spPr>
           <a:xfrm>
-            <a:off x="1962229" y="1217070"/>
+            <a:off x="1949277" y="1176737"/>
             <a:ext cx="1066800" cy="1088631"/>
           </a:xfrm>
           <a:prstGeom prst="snip1Rect">
@@ -5394,7 +5429,7 @@
         </p:nvSpPr>
         <p:spPr>
           <a:xfrm>
-            <a:off x="6433866" y="1079918"/>
+            <a:off x="6420914" y="1039585"/>
             <a:ext cx="1066800" cy="1088631"/>
           </a:xfrm>
           <a:prstGeom prst="snip1Rect">
@@ -5447,7 +5482,7 @@
         </p:nvSpPr>
         <p:spPr>
           <a:xfrm>
-            <a:off x="2977417" y="3888364"/>
+            <a:off x="2964465" y="3848031"/>
             <a:ext cx="914400" cy="457200"/>
           </a:xfrm>
           <a:prstGeom prst="ellipse">
@@ -5489,7 +5524,7 @@
         </p:nvSpPr>
         <p:spPr>
           <a:xfrm>
-            <a:off x="4057568" y="3611354"/>
+            <a:off x="4044616" y="3571021"/>
             <a:ext cx="1066800" cy="1088631"/>
           </a:xfrm>
           <a:prstGeom prst="snip1Rect">
@@ -5554,7 +5589,7 @@
         </p:nvSpPr>
         <p:spPr>
           <a:xfrm>
-            <a:off x="2977417" y="3916631"/>
+            <a:off x="2964465" y="3876298"/>
             <a:ext cx="914400" cy="457200"/>
           </a:xfrm>
           <a:prstGeom prst="ellipse">
@@ -5596,7 +5631,7 @@
         </p:nvSpPr>
         <p:spPr>
           <a:xfrm>
-            <a:off x="4047992" y="3611354"/>
+            <a:off x="4035040" y="3571021"/>
             <a:ext cx="1066800" cy="1088631"/>
           </a:xfrm>
           <a:prstGeom prst="snip1Rect">
@@ -5649,7 +5684,7 @@
         </p:nvSpPr>
         <p:spPr>
           <a:xfrm>
-            <a:off x="7604362" y="3247193"/>
+            <a:off x="7591410" y="3206860"/>
             <a:ext cx="1006238" cy="276999"/>
           </a:xfrm>
           <a:prstGeom prst="rect">
@@ -5692,7 +5727,7 @@
         </p:nvSpPr>
         <p:spPr>
           <a:xfrm>
-            <a:off x="7604362" y="3552044"/>
+            <a:off x="7591410" y="3511711"/>
             <a:ext cx="1066800" cy="1088631"/>
           </a:xfrm>
           <a:prstGeom prst="snip1Rect">
@@ -5767,7 +5802,7 @@
         </p:nvSpPr>
         <p:spPr>
           <a:xfrm>
-            <a:off x="7441810" y="2814250"/>
+            <a:off x="7428858" y="2773917"/>
             <a:ext cx="1177374" cy="276999"/>
           </a:xfrm>
           <a:prstGeom prst="rect">
@@ -5799,6 +5834,491 @@
               <a:t>Expected Result</a:t>
             </a:r>
             <a:endParaRPr lang="en-US" sz="1200" dirty="0"/>
+          </a:p>
+        </p:txBody>
+      </p:sp>
+      <p:cxnSp>
+        <p:nvCxnSpPr>
+          <p:cNvPr id="10" name="Straight Arrow Connector 9"/>
+          <p:cNvCxnSpPr/>
+          <p:nvPr/>
+        </p:nvCxnSpPr>
+        <p:spPr>
+          <a:xfrm flipH="1" flipV="1">
+            <a:off x="1949278" y="2265369"/>
+            <a:ext cx="2085762" cy="1849968"/>
+          </a:xfrm>
+          <a:prstGeom prst="straightConnector1">
+            <a:avLst/>
+          </a:prstGeom>
+          <a:ln>
+            <a:tailEnd type="arrow"/>
+          </a:ln>
+        </p:spPr>
+        <p:style>
+          <a:lnRef idx="1">
+            <a:schemeClr val="accent1"/>
+          </a:lnRef>
+          <a:fillRef idx="0">
+            <a:schemeClr val="accent1"/>
+          </a:fillRef>
+          <a:effectRef idx="0">
+            <a:schemeClr val="accent1"/>
+          </a:effectRef>
+          <a:fontRef idx="minor">
+            <a:schemeClr val="tx1"/>
+          </a:fontRef>
+        </p:style>
+      </p:cxnSp>
+      <p:sp>
+        <p:nvSpPr>
+          <p:cNvPr id="12" name="TextBox 11"/>
+          <p:cNvSpPr txBox="1"/>
+          <p:nvPr/>
+        </p:nvSpPr>
+        <p:spPr>
+          <a:xfrm>
+            <a:off x="1294894" y="2578339"/>
+            <a:ext cx="1083951" cy="707886"/>
+          </a:xfrm>
+          <a:prstGeom prst="rect">
+            <a:avLst/>
+          </a:prstGeom>
+        </p:spPr>
+        <p:style>
+          <a:lnRef idx="1">
+            <a:schemeClr val="dk1"/>
+          </a:lnRef>
+          <a:fillRef idx="2">
+            <a:schemeClr val="dk1"/>
+          </a:fillRef>
+          <a:effectRef idx="1">
+            <a:schemeClr val="dk1"/>
+          </a:effectRef>
+          <a:fontRef idx="minor">
+            <a:schemeClr val="dk1"/>
+          </a:fontRef>
+        </p:style>
+        <p:txBody>
+          <a:bodyPr wrap="none" rtlCol="0">
+            <a:spAutoFit/>
+          </a:bodyPr>
+          <a:lstStyle/>
+          <a:p>
+            <a:r>
+              <a:rPr lang="en-US" sz="800" dirty="0" smtClean="0"/>
+              <a:t>At 2.00 PM T1</a:t>
+            </a:r>
+          </a:p>
+          <a:p>
+            <a:r>
+              <a:rPr lang="en-US" sz="800" dirty="0"/>
+              <a:t>t</a:t>
+            </a:r>
+            <a:r>
+              <a:rPr lang="en-US" sz="800" dirty="0" smtClean="0"/>
+              <a:t>ake Employee.txt </a:t>
+            </a:r>
+          </a:p>
+          <a:p>
+            <a:r>
+              <a:rPr lang="en-US" sz="800" dirty="0" smtClean="0"/>
+              <a:t>for update operation </a:t>
+            </a:r>
+          </a:p>
+          <a:p>
+            <a:r>
+              <a:rPr lang="en-US" sz="800" dirty="0"/>
+              <a:t>a</a:t>
+            </a:r>
+            <a:r>
+              <a:rPr lang="en-US" sz="800" dirty="0" smtClean="0"/>
+              <a:t>nd added Age and</a:t>
+            </a:r>
+          </a:p>
+          <a:p>
+            <a:r>
+              <a:rPr lang="en-US" sz="800" dirty="0"/>
+              <a:t>S</a:t>
+            </a:r>
+            <a:r>
+              <a:rPr lang="en-US" sz="800" dirty="0" smtClean="0"/>
+              <a:t>ex</a:t>
+            </a:r>
+            <a:endParaRPr lang="en-US" sz="800" dirty="0"/>
+          </a:p>
+        </p:txBody>
+      </p:sp>
+      <p:cxnSp>
+        <p:nvCxnSpPr>
+          <p:cNvPr id="16" name="Straight Arrow Connector 15"/>
+          <p:cNvCxnSpPr/>
+          <p:nvPr/>
+        </p:nvCxnSpPr>
+        <p:spPr>
+          <a:xfrm flipV="1">
+            <a:off x="5101840" y="2140891"/>
+            <a:ext cx="1319074" cy="1974446"/>
+          </a:xfrm>
+          <a:prstGeom prst="straightConnector1">
+            <a:avLst/>
+          </a:prstGeom>
+          <a:ln>
+            <a:tailEnd type="arrow"/>
+          </a:ln>
+        </p:spPr>
+        <p:style>
+          <a:lnRef idx="1">
+            <a:schemeClr val="accent1"/>
+          </a:lnRef>
+          <a:fillRef idx="0">
+            <a:schemeClr val="accent1"/>
+          </a:fillRef>
+          <a:effectRef idx="0">
+            <a:schemeClr val="accent1"/>
+          </a:effectRef>
+          <a:fontRef idx="minor">
+            <a:schemeClr val="tx1"/>
+          </a:fontRef>
+        </p:style>
+      </p:cxnSp>
+      <p:sp>
+        <p:nvSpPr>
+          <p:cNvPr id="34" name="TextBox 33"/>
+          <p:cNvSpPr txBox="1"/>
+          <p:nvPr/>
+        </p:nvSpPr>
+        <p:spPr>
+          <a:xfrm>
+            <a:off x="5617031" y="2529094"/>
+            <a:ext cx="1083951" cy="584775"/>
+          </a:xfrm>
+          <a:prstGeom prst="rect">
+            <a:avLst/>
+          </a:prstGeom>
+        </p:spPr>
+        <p:style>
+          <a:lnRef idx="1">
+            <a:schemeClr val="dk1"/>
+          </a:lnRef>
+          <a:fillRef idx="2">
+            <a:schemeClr val="dk1"/>
+          </a:fillRef>
+          <a:effectRef idx="1">
+            <a:schemeClr val="dk1"/>
+          </a:effectRef>
+          <a:fontRef idx="minor">
+            <a:schemeClr val="dk1"/>
+          </a:fontRef>
+        </p:style>
+        <p:txBody>
+          <a:bodyPr wrap="none" rtlCol="0">
+            <a:spAutoFit/>
+          </a:bodyPr>
+          <a:lstStyle/>
+          <a:p>
+            <a:r>
+              <a:rPr lang="en-US" sz="800" dirty="0" smtClean="0"/>
+              <a:t>At 2.01 PM T2</a:t>
+            </a:r>
+          </a:p>
+          <a:p>
+            <a:r>
+              <a:rPr lang="en-US" sz="800" dirty="0"/>
+              <a:t>t</a:t>
+            </a:r>
+            <a:r>
+              <a:rPr lang="en-US" sz="800" dirty="0" smtClean="0"/>
+              <a:t>ake Employee.txt </a:t>
+            </a:r>
+          </a:p>
+          <a:p>
+            <a:r>
+              <a:rPr lang="en-US" sz="800" dirty="0" smtClean="0"/>
+              <a:t>for update operation </a:t>
+            </a:r>
+          </a:p>
+          <a:p>
+            <a:r>
+              <a:rPr lang="en-US" sz="800" dirty="0" smtClean="0"/>
+              <a:t>and  added Id.</a:t>
+            </a:r>
+            <a:endParaRPr lang="en-US" sz="800" dirty="0"/>
+          </a:p>
+        </p:txBody>
+      </p:sp>
+      <p:cxnSp>
+        <p:nvCxnSpPr>
+          <p:cNvPr id="28" name="Straight Arrow Connector 27"/>
+          <p:cNvCxnSpPr/>
+          <p:nvPr/>
+        </p:nvCxnSpPr>
+        <p:spPr>
+          <a:xfrm>
+            <a:off x="2730248" y="2265368"/>
+            <a:ext cx="1304792" cy="1342374"/>
+          </a:xfrm>
+          <a:prstGeom prst="straightConnector1">
+            <a:avLst/>
+          </a:prstGeom>
+          <a:ln>
+            <a:tailEnd type="arrow"/>
+          </a:ln>
+        </p:spPr>
+        <p:style>
+          <a:lnRef idx="1">
+            <a:schemeClr val="accent1"/>
+          </a:lnRef>
+          <a:fillRef idx="0">
+            <a:schemeClr val="accent1"/>
+          </a:fillRef>
+          <a:effectRef idx="0">
+            <a:schemeClr val="accent1"/>
+          </a:effectRef>
+          <a:fontRef idx="minor">
+            <a:schemeClr val="tx1"/>
+          </a:fontRef>
+        </p:style>
+      </p:cxnSp>
+      <p:sp>
+        <p:nvSpPr>
+          <p:cNvPr id="29" name="TextBox 28"/>
+          <p:cNvSpPr txBox="1"/>
+          <p:nvPr/>
+        </p:nvSpPr>
+        <p:spPr>
+          <a:xfrm>
+            <a:off x="2715894" y="2431702"/>
+            <a:ext cx="736099" cy="461665"/>
+          </a:xfrm>
+          <a:prstGeom prst="rect">
+            <a:avLst/>
+          </a:prstGeom>
+        </p:spPr>
+        <p:style>
+          <a:lnRef idx="1">
+            <a:schemeClr val="dk1"/>
+          </a:lnRef>
+          <a:fillRef idx="2">
+            <a:schemeClr val="dk1"/>
+          </a:fillRef>
+          <a:effectRef idx="1">
+            <a:schemeClr val="dk1"/>
+          </a:effectRef>
+          <a:fontRef idx="minor">
+            <a:schemeClr val="dk1"/>
+          </a:fontRef>
+        </p:style>
+        <p:txBody>
+          <a:bodyPr wrap="none" rtlCol="0">
+            <a:spAutoFit/>
+          </a:bodyPr>
+          <a:lstStyle/>
+          <a:p>
+            <a:r>
+              <a:rPr lang="en-US" sz="800" dirty="0" smtClean="0"/>
+              <a:t>At 2.02 PM </a:t>
+            </a:r>
+          </a:p>
+          <a:p>
+            <a:r>
+              <a:rPr lang="en-US" sz="800" dirty="0" smtClean="0"/>
+              <a:t>T1 Updated </a:t>
+            </a:r>
+          </a:p>
+          <a:p>
+            <a:r>
+              <a:rPr lang="en-US" sz="800" dirty="0" smtClean="0"/>
+              <a:t>Employee.txt</a:t>
+            </a:r>
+            <a:endParaRPr lang="en-US" sz="800" dirty="0"/>
+          </a:p>
+        </p:txBody>
+      </p:sp>
+      <p:cxnSp>
+        <p:nvCxnSpPr>
+          <p:cNvPr id="31" name="Straight Arrow Connector 30"/>
+          <p:cNvCxnSpPr/>
+          <p:nvPr/>
+        </p:nvCxnSpPr>
+        <p:spPr>
+          <a:xfrm flipH="1">
+            <a:off x="5111416" y="2140890"/>
+            <a:ext cx="2315736" cy="2314577"/>
+          </a:xfrm>
+          <a:prstGeom prst="straightConnector1">
+            <a:avLst/>
+          </a:prstGeom>
+          <a:ln>
+            <a:tailEnd type="arrow"/>
+          </a:ln>
+        </p:spPr>
+        <p:style>
+          <a:lnRef idx="1">
+            <a:schemeClr val="accent1"/>
+          </a:lnRef>
+          <a:fillRef idx="0">
+            <a:schemeClr val="accent1"/>
+          </a:fillRef>
+          <a:effectRef idx="0">
+            <a:schemeClr val="accent1"/>
+          </a:effectRef>
+          <a:fontRef idx="minor">
+            <a:schemeClr val="tx1"/>
+          </a:fontRef>
+        </p:style>
+      </p:cxnSp>
+      <p:sp>
+        <p:nvSpPr>
+          <p:cNvPr id="46" name="TextBox 45"/>
+          <p:cNvSpPr txBox="1"/>
+          <p:nvPr/>
+        </p:nvSpPr>
+        <p:spPr>
+          <a:xfrm>
+            <a:off x="6780190" y="2265368"/>
+            <a:ext cx="736099" cy="461665"/>
+          </a:xfrm>
+          <a:prstGeom prst="rect">
+            <a:avLst/>
+          </a:prstGeom>
+        </p:spPr>
+        <p:style>
+          <a:lnRef idx="1">
+            <a:schemeClr val="dk1"/>
+          </a:lnRef>
+          <a:fillRef idx="2">
+            <a:schemeClr val="dk1"/>
+          </a:fillRef>
+          <a:effectRef idx="1">
+            <a:schemeClr val="dk1"/>
+          </a:effectRef>
+          <a:fontRef idx="minor">
+            <a:schemeClr val="dk1"/>
+          </a:fontRef>
+        </p:style>
+        <p:txBody>
+          <a:bodyPr wrap="none" rtlCol="0">
+            <a:spAutoFit/>
+          </a:bodyPr>
+          <a:lstStyle/>
+          <a:p>
+            <a:r>
+              <a:rPr lang="en-US" sz="800" dirty="0" smtClean="0"/>
+              <a:t>At 2.03 PM </a:t>
+            </a:r>
+          </a:p>
+          <a:p>
+            <a:r>
+              <a:rPr lang="en-US" sz="800" dirty="0" smtClean="0"/>
+              <a:t>T2 Updated </a:t>
+            </a:r>
+          </a:p>
+          <a:p>
+            <a:r>
+              <a:rPr lang="en-US" sz="800" dirty="0" smtClean="0"/>
+              <a:t>Employee.txt</a:t>
+            </a:r>
+            <a:endParaRPr lang="en-US" sz="800" dirty="0"/>
+          </a:p>
+        </p:txBody>
+      </p:sp>
+      <p:sp>
+        <p:nvSpPr>
+          <p:cNvPr id="52" name="TextBox 51"/>
+          <p:cNvSpPr txBox="1"/>
+          <p:nvPr/>
+        </p:nvSpPr>
+        <p:spPr>
+          <a:xfrm>
+            <a:off x="161500" y="388975"/>
+            <a:ext cx="1761701" cy="276999"/>
+          </a:xfrm>
+          <a:prstGeom prst="rect">
+            <a:avLst/>
+          </a:prstGeom>
+        </p:spPr>
+        <p:style>
+          <a:lnRef idx="1">
+            <a:schemeClr val="accent3"/>
+          </a:lnRef>
+          <a:fillRef idx="3">
+            <a:schemeClr val="accent3"/>
+          </a:fillRef>
+          <a:effectRef idx="2">
+            <a:schemeClr val="accent3"/>
+          </a:effectRef>
+          <a:fontRef idx="minor">
+            <a:schemeClr val="lt1"/>
+          </a:fontRef>
+        </p:style>
+        <p:txBody>
+          <a:bodyPr wrap="none" rtlCol="0">
+            <a:spAutoFit/>
+          </a:bodyPr>
+          <a:lstStyle/>
+          <a:p>
+            <a:r>
+              <a:rPr lang="en-US" sz="1200" dirty="0" smtClean="0"/>
+              <a:t>With out Synchronization</a:t>
+            </a:r>
+            <a:endParaRPr lang="en-US" sz="1200" dirty="0"/>
+          </a:p>
+        </p:txBody>
+      </p:sp>
+      <p:sp>
+        <p:nvSpPr>
+          <p:cNvPr id="53" name="Rounded Rectangle 52"/>
+          <p:cNvSpPr/>
+          <p:nvPr/>
+        </p:nvSpPr>
+        <p:spPr>
+          <a:xfrm>
+            <a:off x="7052298" y="-2215"/>
+            <a:ext cx="2040650" cy="688014"/>
+          </a:xfrm>
+          <a:prstGeom prst="roundRect">
+            <a:avLst/>
+          </a:prstGeom>
+          <a:effectLst>
+            <a:innerShdw blurRad="63500" dist="50800" dir="18900000">
+              <a:prstClr val="black">
+                <a:alpha val="50000"/>
+              </a:prstClr>
+            </a:innerShdw>
+          </a:effectLst>
+        </p:spPr>
+        <p:style>
+          <a:lnRef idx="1">
+            <a:schemeClr val="accent1"/>
+          </a:lnRef>
+          <a:fillRef idx="3">
+            <a:schemeClr val="accent1"/>
+          </a:fillRef>
+          <a:effectRef idx="2">
+            <a:schemeClr val="accent1"/>
+          </a:effectRef>
+          <a:fontRef idx="minor">
+            <a:schemeClr val="lt1"/>
+          </a:fontRef>
+        </p:style>
+        <p:txBody>
+          <a:bodyPr rtlCol="0" anchor="ctr"/>
+          <a:lstStyle/>
+          <a:p>
+            <a:r>
+              <a:rPr lang="en-US" sz="800" dirty="0"/>
+              <a:t>If we do not use </a:t>
+            </a:r>
+            <a:r>
+              <a:rPr lang="en-US" sz="800" dirty="0" smtClean="0"/>
+              <a:t>synchronization, </a:t>
+            </a:r>
+            <a:r>
+              <a:rPr lang="en-US" sz="800" dirty="0"/>
+              <a:t>and let two or more threads access a shared resource at the same time, it will lead to distorted results.</a:t>
+            </a:r>
+            <a:endParaRPr lang="en-US" sz="800" dirty="0"/>
           </a:p>
         </p:txBody>
       </p:sp>
@@ -5921,6 +6441,60 @@
                                   </p:childTnLst>
                                 </p:cTn>
                               </p:par>
+                              <p:par>
+                                <p:cTn id="11" presetID="1" presetClass="entr" presetSubtype="0" fill="hold" nodeType="withEffect">
+                                  <p:stCondLst>
+                                    <p:cond delay="0"/>
+                                  </p:stCondLst>
+                                  <p:childTnLst>
+                                    <p:set>
+                                      <p:cBhvr>
+                                        <p:cTn id="12" dur="1" fill="hold">
+                                          <p:stCondLst>
+                                            <p:cond delay="0"/>
+                                          </p:stCondLst>
+                                        </p:cTn>
+                                        <p:tgtEl>
+                                          <p:spTgt spid="10"/>
+                                        </p:tgtEl>
+                                        <p:attrNameLst>
+                                          <p:attrName>style.visibility</p:attrName>
+                                        </p:attrNameLst>
+                                      </p:cBhvr>
+                                      <p:to>
+                                        <p:strVal val="visible"/>
+                                      </p:to>
+                                    </p:set>
+                                  </p:childTnLst>
+                                </p:cTn>
+                              </p:par>
+                              <p:par>
+                                <p:cTn id="13" presetID="1" presetClass="entr" presetSubtype="0" fill="hold" grpId="0" nodeType="withEffect">
+                                  <p:stCondLst>
+                                    <p:cond delay="0"/>
+                                  </p:stCondLst>
+                                  <p:childTnLst>
+                                    <p:set>
+                                      <p:cBhvr>
+                                        <p:cTn id="14" dur="1" fill="hold">
+                                          <p:stCondLst>
+                                            <p:cond delay="0"/>
+                                          </p:stCondLst>
+                                        </p:cTn>
+                                        <p:tgtEl>
+                                          <p:spTgt spid="12"/>
+                                        </p:tgtEl>
+                                        <p:attrNameLst>
+                                          <p:attrName>style.visibility</p:attrName>
+                                        </p:attrNameLst>
+                                      </p:cBhvr>
+                                      <p:to>
+                                        <p:strVal val="visible"/>
+                                      </p:to>
+                                    </p:set>
+                                  </p:childTnLst>
+                                </p:cTn>
+                              </p:par>
                             </p:childTnLst>
                           </p:cTn>
                         </p:par>
@@ -5928,26 +6502,26 @@
                     </p:cTn>
                   </p:par>
                   <p:par>
-                    <p:cTn id="11" fill="hold">
+                    <p:cTn id="15" fill="hold">
                       <p:stCondLst>
                         <p:cond delay="indefinite"/>
                       </p:stCondLst>
                       <p:childTnLst>
                         <p:par>
-                          <p:cTn id="12" fill="hold">
+                          <p:cTn id="16" fill="hold">
                             <p:stCondLst>
                               <p:cond delay="0"/>
                             </p:stCondLst>
                             <p:childTnLst>
                               <p:par>
-                                <p:cTn id="13" presetID="10" presetClass="entr" presetSubtype="0" fill="hold" grpId="0" nodeType="clickEffect">
+                                <p:cTn id="17" presetID="10" presetClass="entr" presetSubtype="0" fill="hold" grpId="0" nodeType="clickEffect">
                                   <p:stCondLst>
                                     <p:cond delay="0"/>
                                   </p:stCondLst>
                                   <p:childTnLst>
                                     <p:set>
                                       <p:cBhvr>
-                                        <p:cTn id="14" dur="1" fill="hold">
+                                        <p:cTn id="18" dur="1" fill="hold">
                                           <p:stCondLst>
                                             <p:cond delay="0"/>
                                           </p:stCondLst>
@@ -5965,7 +6539,7 @@
                                     </p:set>
                                     <p:animEffect transition="in" filter="fade">
                                       <p:cBhvr>
-                                        <p:cTn id="15" dur="500"/>
+                                        <p:cTn id="19" dur="500"/>
                                         <p:tgtEl>
                                           <p:spTgt spid="38"/>
                                         </p:tgtEl>
@@ -5981,26 +6555,26 @@
                     </p:cTn>
                   </p:par>
                   <p:par>
-                    <p:cTn id="16" fill="hold">
+                    <p:cTn id="20" fill="hold">
                       <p:stCondLst>
                         <p:cond delay="indefinite"/>
                       </p:stCondLst>
                       <p:childTnLst>
                         <p:par>
-                          <p:cTn id="17" fill="hold">
+                          <p:cTn id="21" fill="hold">
                             <p:stCondLst>
                               <p:cond delay="0"/>
                             </p:stCondLst>
                             <p:childTnLst>
                               <p:par>
-                                <p:cTn id="18" presetID="10" presetClass="entr" presetSubtype="0" fill="hold" grpId="0" nodeType="clickEffect">
+                                <p:cTn id="22" presetID="10" presetClass="entr" presetSubtype="0" fill="hold" grpId="0" nodeType="clickEffect">
                                   <p:stCondLst>
                                     <p:cond delay="0"/>
                                   </p:stCondLst>
                                   <p:childTnLst>
                                     <p:set>
                                       <p:cBhvr>
-                                        <p:cTn id="19" dur="1" fill="hold">
+                                        <p:cTn id="23" dur="1" fill="hold">
                                           <p:stCondLst>
                                             <p:cond delay="0"/>
                                           </p:stCondLst>
@@ -6018,7 +6592,7 @@
                                     </p:set>
                                     <p:animEffect transition="in" filter="fade">
                                       <p:cBhvr>
-                                        <p:cTn id="20" dur="500"/>
+                                        <p:cTn id="24" dur="500"/>
                                         <p:tgtEl>
                                           <p:spTgt spid="23"/>
                                         </p:tgtEl>
@@ -6028,14 +6602,14 @@
                                 </p:cTn>
                               </p:par>
                               <p:par>
-                                <p:cTn id="21" presetID="10" presetClass="entr" presetSubtype="0" fill="hold" grpId="0" nodeType="withEffect">
+                                <p:cTn id="25" presetID="10" presetClass="entr" presetSubtype="0" fill="hold" grpId="0" nodeType="withEffect">
                                   <p:stCondLst>
                                     <p:cond delay="0"/>
                                   </p:stCondLst>
                                   <p:childTnLst>
                                     <p:set>
                                       <p:cBhvr>
-                                        <p:cTn id="22" dur="1" fill="hold">
+                                        <p:cTn id="26" dur="1" fill="hold">
                                           <p:stCondLst>
                                             <p:cond delay="0"/>
                                           </p:stCondLst>
@@ -6053,7 +6627,7 @@
                                     </p:set>
                                     <p:animEffect transition="in" filter="fade">
                                       <p:cBhvr>
-                                        <p:cTn id="23" dur="500"/>
+                                        <p:cTn id="27" dur="500"/>
                                         <p:tgtEl>
                                           <p:spTgt spid="24"/>
                                         </p:tgtEl>
@@ -6063,14 +6637,14 @@
                                 </p:cTn>
                               </p:par>
                               <p:par>
-                                <p:cTn id="24" presetID="10" presetClass="entr" presetSubtype="0" fill="hold" grpId="0" nodeType="withEffect">
+                                <p:cTn id="28" presetID="10" presetClass="entr" presetSubtype="0" fill="hold" grpId="0" nodeType="withEffect">
                                   <p:stCondLst>
                                     <p:cond delay="0"/>
                                   </p:stCondLst>
                                   <p:childTnLst>
                                     <p:set>
                                       <p:cBhvr>
-                                        <p:cTn id="25" dur="1" fill="hold">
+                                        <p:cTn id="29" dur="1" fill="hold">
                                           <p:stCondLst>
                                             <p:cond delay="0"/>
                                           </p:stCondLst>
@@ -6088,12 +6662,66 @@
                                     </p:set>
                                     <p:animEffect transition="in" filter="fade">
                                       <p:cBhvr>
-                                        <p:cTn id="26" dur="500"/>
+                                        <p:cTn id="30" dur="500"/>
                                         <p:tgtEl>
                                           <p:spTgt spid="25"/>
                                         </p:tgtEl>
                                       </p:cBhvr>
                                     </p:animEffect>
+                                  </p:childTnLst>
+                                </p:cTn>
+                              </p:par>
+                              <p:par>
+                                <p:cTn id="31" presetID="1" presetClass="entr" presetSubtype="0" fill="hold" grpId="0" nodeType="withEffect">
+                                  <p:stCondLst>
+                                    <p:cond delay="0"/>
+                                  </p:stCondLst>
+                                  <p:childTnLst>
+                                    <p:set>
+                                      <p:cBhvr>
+                                        <p:cTn id="32" dur="1" fill="hold">
+                                          <p:stCondLst>
+                                            <p:cond delay="0"/>
+                                          </p:stCondLst>
+                                        </p:cTn>
+                                        <p:tgtEl>
+                                          <p:spTgt spid="34"/>
+                                        </p:tgtEl>
+                                        <p:attrNameLst>
+                                          <p:attrName>style.visibility</p:attrName>
+                                        </p:attrNameLst>
+                                      </p:cBhvr>
+                                      <p:to>
+                                        <p:strVal val="visible"/>
+                                      </p:to>
+                                    </p:set>
+                                  </p:childTnLst>
+                                </p:cTn>
+                              </p:par>
+                              <p:par>
+                                <p:cTn id="33" presetID="1" presetClass="entr" presetSubtype="0" fill="hold" nodeType="withEffect">
+                                  <p:stCondLst>
+                                    <p:cond delay="0"/>
+                                  </p:stCondLst>
+                                  <p:childTnLst>
+                                    <p:set>
+                                      <p:cBhvr>
+                                        <p:cTn id="34" dur="1" fill="hold">
+                                          <p:stCondLst>
+                                            <p:cond delay="0"/>
+                                          </p:stCondLst>
+                                        </p:cTn>
+                                        <p:tgtEl>
+                                          <p:spTgt spid="16"/>
+                                        </p:tgtEl>
+                                        <p:attrNameLst>
+                                          <p:attrName>style.visibility</p:attrName>
+                                        </p:attrNameLst>
+                                      </p:cBhvr>
+                                      <p:to>
+                                        <p:strVal val="visible"/>
+                                      </p:to>
+                                    </p:set>
                                   </p:childTnLst>
                                 </p:cTn>
                               </p:par>
@@ -6104,26 +6732,26 @@
                     </p:cTn>
                   </p:par>
                   <p:par>
-                    <p:cTn id="27" fill="hold">
+                    <p:cTn id="35" fill="hold">
                       <p:stCondLst>
                         <p:cond delay="indefinite"/>
                       </p:stCondLst>
                       <p:childTnLst>
                         <p:par>
-                          <p:cTn id="28" fill="hold">
+                          <p:cTn id="36" fill="hold">
                             <p:stCondLst>
                               <p:cond delay="0"/>
                             </p:stCondLst>
                             <p:childTnLst>
                               <p:par>
-                                <p:cTn id="29" presetID="10" presetClass="entr" presetSubtype="0" fill="hold" grpId="0" nodeType="clickEffect">
+                                <p:cTn id="37" presetID="10" presetClass="entr" presetSubtype="0" fill="hold" grpId="0" nodeType="clickEffect">
                                   <p:stCondLst>
                                     <p:cond delay="0"/>
                                   </p:stCondLst>
                                   <p:childTnLst>
                                     <p:set>
                                       <p:cBhvr>
-                                        <p:cTn id="30" dur="1" fill="hold">
+                                        <p:cTn id="38" dur="1" fill="hold">
                                           <p:stCondLst>
                                             <p:cond delay="0"/>
                                           </p:stCondLst>
@@ -6141,97 +6769,9 @@
                                     </p:set>
                                     <p:animEffect transition="in" filter="fade">
                                       <p:cBhvr>
-                                        <p:cTn id="31" dur="500"/>
+                                        <p:cTn id="39" dur="500"/>
                                         <p:tgtEl>
                                           <p:spTgt spid="39"/>
-                                        </p:tgtEl>
-                                      </p:cBhvr>
-                                    </p:animEffect>
-                                  </p:childTnLst>
-                                </p:cTn>
-                              </p:par>
-                            </p:childTnLst>
-                          </p:cTn>
-                        </p:par>
-                      </p:childTnLst>
-                    </p:cTn>
-                  </p:par>
-                  <p:par>
-                    <p:cTn id="32" fill="hold">
-                      <p:stCondLst>
-                        <p:cond delay="indefinite"/>
-                      </p:stCondLst>
-                      <p:childTnLst>
-                        <p:par>
-                          <p:cTn id="33" fill="hold">
-                            <p:stCondLst>
-                              <p:cond delay="0"/>
-                            </p:stCondLst>
-                            <p:childTnLst>
-                              <p:par>
-                                <p:cTn id="34" presetID="10" presetClass="entr" presetSubtype="0" fill="hold" grpId="0" nodeType="clickEffect">
-                                  <p:stCondLst>
-                                    <p:cond delay="0"/>
-                                  </p:stCondLst>
-                                  <p:childTnLst>
-                                    <p:set>
-                                      <p:cBhvr>
-                                        <p:cTn id="35" dur="1" fill="hold">
-                                          <p:stCondLst>
-                                            <p:cond delay="0"/>
-                                          </p:stCondLst>
-                                        </p:cTn>
-                                        <p:tgtEl>
-                                          <p:spTgt spid="41"/>
-                                        </p:tgtEl>
-                                        <p:attrNameLst>
-                                          <p:attrName>style.visibility</p:attrName>
-                                        </p:attrNameLst>
-                                      </p:cBhvr>
-                                      <p:to>
-                                        <p:strVal val="visible"/>
-                                      </p:to>
-                                    </p:set>
-                                    <p:animEffect transition="in" filter="fade">
-                                      <p:cBhvr>
-                                        <p:cTn id="36" dur="500"/>
-                                        <p:tgtEl>
-                                          <p:spTgt spid="41"/>
-                                        </p:tgtEl>
-                                      </p:cBhvr>
-                                    </p:animEffect>
-                                  </p:childTnLst>
-                                </p:cTn>
-                              </p:par>
-                              <p:par>
-                                <p:cTn id="37" presetID="10" presetClass="entr" presetSubtype="0" fill="hold" grpId="0" nodeType="withEffect">
-                                  <p:stCondLst>
-                                    <p:cond delay="0"/>
-                                  </p:stCondLst>
-                                  <p:childTnLst>
-                                    <p:set>
-                                      <p:cBhvr>
-                                        <p:cTn id="38" dur="1" fill="hold">
-                                          <p:stCondLst>
-                                            <p:cond delay="0"/>
-                                          </p:stCondLst>
-                                        </p:cTn>
-                                        <p:tgtEl>
-                                          <p:spTgt spid="40"/>
-                                        </p:tgtEl>
-                                        <p:attrNameLst>
-                                          <p:attrName>style.visibility</p:attrName>
-                                        </p:attrNameLst>
-                                      </p:cBhvr>
-                                      <p:to>
-                                        <p:strVal val="visible"/>
-                                      </p:to>
-                                    </p:set>
-                                    <p:animEffect transition="in" filter="fade">
-                                      <p:cBhvr>
-                                        <p:cTn id="39" dur="500"/>
-                                        <p:tgtEl>
-                                          <p:spTgt spid="40"/>
                                         </p:tgtEl>
                                       </p:cBhvr>
                                     </p:animEffect>
@@ -6270,7 +6810,7 @@
                                           </p:stCondLst>
                                         </p:cTn>
                                         <p:tgtEl>
-                                          <p:spTgt spid="43"/>
+                                          <p:spTgt spid="41"/>
                                         </p:tgtEl>
                                         <p:attrNameLst>
                                           <p:attrName>style.visibility</p:attrName>
@@ -6284,7 +6824,7 @@
                                       <p:cBhvr>
                                         <p:cTn id="44" dur="500"/>
                                         <p:tgtEl>
-                                          <p:spTgt spid="43"/>
+                                          <p:spTgt spid="41"/>
                                         </p:tgtEl>
                                       </p:cBhvr>
                                     </p:animEffect>
@@ -6305,7 +6845,7 @@
                                           </p:stCondLst>
                                         </p:cTn>
                                         <p:tgtEl>
-                                          <p:spTgt spid="42"/>
+                                          <p:spTgt spid="40"/>
                                         </p:tgtEl>
                                         <p:attrNameLst>
                                           <p:attrName>style.visibility</p:attrName>
@@ -6319,6 +6859,148 @@
                                       <p:cBhvr>
                                         <p:cTn id="47" dur="500"/>
                                         <p:tgtEl>
+                                          <p:spTgt spid="40"/>
+                                        </p:tgtEl>
+                                      </p:cBhvr>
+                                    </p:animEffect>
+                                  </p:childTnLst>
+                                </p:cTn>
+                              </p:par>
+                              <p:par>
+                                <p:cTn id="48" presetID="1" presetClass="entr" presetSubtype="0" fill="hold" nodeType="withEffect">
+                                  <p:stCondLst>
+                                    <p:cond delay="0"/>
+                                  </p:stCondLst>
+                                  <p:childTnLst>
+                                    <p:set>
+                                      <p:cBhvr>
+                                        <p:cTn id="49" dur="1" fill="hold">
+                                          <p:stCondLst>
+                                            <p:cond delay="0"/>
+                                          </p:stCondLst>
+                                        </p:cTn>
+                                        <p:tgtEl>
+                                          <p:spTgt spid="28"/>
+                                        </p:tgtEl>
+                                        <p:attrNameLst>
+                                          <p:attrName>style.visibility</p:attrName>
+                                        </p:attrNameLst>
+                                      </p:cBhvr>
+                                      <p:to>
+                                        <p:strVal val="visible"/>
+                                      </p:to>
+                                    </p:set>
+                                  </p:childTnLst>
+                                </p:cTn>
+                              </p:par>
+                              <p:par>
+                                <p:cTn id="50" presetID="1" presetClass="entr" presetSubtype="0" fill="hold" grpId="0" nodeType="withEffect">
+                                  <p:stCondLst>
+                                    <p:cond delay="0"/>
+                                  </p:stCondLst>
+                                  <p:childTnLst>
+                                    <p:set>
+                                      <p:cBhvr>
+                                        <p:cTn id="51" dur="1" fill="hold">
+                                          <p:stCondLst>
+                                            <p:cond delay="0"/>
+                                          </p:stCondLst>
+                                        </p:cTn>
+                                        <p:tgtEl>
+                                          <p:spTgt spid="29"/>
+                                        </p:tgtEl>
+                                        <p:attrNameLst>
+                                          <p:attrName>style.visibility</p:attrName>
+                                        </p:attrNameLst>
+                                      </p:cBhvr>
+                                      <p:to>
+                                        <p:strVal val="visible"/>
+                                      </p:to>
+                                    </p:set>
+                                  </p:childTnLst>
+                                </p:cTn>
+                              </p:par>
+                            </p:childTnLst>
+                          </p:cTn>
+                        </p:par>
+                      </p:childTnLst>
+                    </p:cTn>
+                  </p:par>
+                  <p:par>
+                    <p:cTn id="52" fill="hold">
+                      <p:stCondLst>
+                        <p:cond delay="indefinite"/>
+                      </p:stCondLst>
+                      <p:childTnLst>
+                        <p:par>
+                          <p:cTn id="53" fill="hold">
+                            <p:stCondLst>
+                              <p:cond delay="0"/>
+                            </p:stCondLst>
+                            <p:childTnLst>
+                              <p:par>
+                                <p:cTn id="54" presetID="10" presetClass="entr" presetSubtype="0" fill="hold" grpId="0" nodeType="clickEffect">
+                                  <p:stCondLst>
+                                    <p:cond delay="0"/>
+                                  </p:stCondLst>
+                                  <p:childTnLst>
+                                    <p:set>
+                                      <p:cBhvr>
+                                        <p:cTn id="55" dur="1" fill="hold">
+                                          <p:stCondLst>
+                                            <p:cond delay="0"/>
+                                          </p:stCondLst>
+                                        </p:cTn>
+                                        <p:tgtEl>
+                                          <p:spTgt spid="43"/>
+                                        </p:tgtEl>
+                                        <p:attrNameLst>
+                                          <p:attrName>style.visibility</p:attrName>
+                                        </p:attrNameLst>
+                                      </p:cBhvr>
+                                      <p:to>
+                                        <p:strVal val="visible"/>
+                                      </p:to>
+                                    </p:set>
+                                    <p:animEffect transition="in" filter="fade">
+                                      <p:cBhvr>
+                                        <p:cTn id="56" dur="500"/>
+                                        <p:tgtEl>
+                                          <p:spTgt spid="43"/>
+                                        </p:tgtEl>
+                                      </p:cBhvr>
+                                    </p:animEffect>
+                                  </p:childTnLst>
+                                </p:cTn>
+                              </p:par>
+                              <p:par>
+                                <p:cTn id="57" presetID="10" presetClass="entr" presetSubtype="0" fill="hold" grpId="0" nodeType="withEffect">
+                                  <p:stCondLst>
+                                    <p:cond delay="0"/>
+                                  </p:stCondLst>
+                                  <p:childTnLst>
+                                    <p:set>
+                                      <p:cBhvr>
+                                        <p:cTn id="58" dur="1" fill="hold">
+                                          <p:stCondLst>
+                                            <p:cond delay="0"/>
+                                          </p:stCondLst>
+                                        </p:cTn>
+                                        <p:tgtEl>
+                                          <p:spTgt spid="42"/>
+                                        </p:tgtEl>
+                                        <p:attrNameLst>
+                                          <p:attrName>style.visibility</p:attrName>
+                                        </p:attrNameLst>
+                                      </p:cBhvr>
+                                      <p:to>
+                                        <p:strVal val="visible"/>
+                                      </p:to>
+                                    </p:set>
+                                    <p:animEffect transition="in" filter="fade">
+                                      <p:cBhvr>
+                                        <p:cTn id="59" dur="500"/>
+                                        <p:tgtEl>
                                           <p:spTgt spid="42"/>
                                         </p:tgtEl>
                                       </p:cBhvr>
@@ -6329,30 +7011,102 @@
                             </p:childTnLst>
                           </p:cTn>
                         </p:par>
-                      </p:childTnLst>
-                    </p:cTn>
-                  </p:par>
-                  <p:par>
-                    <p:cTn id="48" fill="hold">
-                      <p:stCondLst>
-                        <p:cond delay="indefinite"/>
-                      </p:stCondLst>
-                      <p:childTnLst>
                         <p:par>
-                          <p:cTn id="49" fill="hold">
+                          <p:cTn id="60" fill="hold">
                             <p:stCondLst>
-                              <p:cond delay="0"/>
+                              <p:cond delay="500"/>
                             </p:stCondLst>
                             <p:childTnLst>
                               <p:par>
-                                <p:cTn id="50" presetID="1" presetClass="entr" presetSubtype="0" fill="hold" grpId="0" nodeType="clickEffect">
+                                <p:cTn id="61" presetID="1" presetClass="entr" presetSubtype="0" fill="hold" grpId="0" nodeType="afterEffect">
                                   <p:stCondLst>
                                     <p:cond delay="0"/>
                                   </p:stCondLst>
                                   <p:childTnLst>
                                     <p:set>
                                       <p:cBhvr>
-                                        <p:cTn id="51" dur="1" fill="hold">
+                                        <p:cTn id="62" dur="1" fill="hold">
+                                          <p:stCondLst>
+                                            <p:cond delay="0"/>
+                                          </p:stCondLst>
+                                        </p:cTn>
+                                        <p:tgtEl>
+                                          <p:spTgt spid="46"/>
+                                        </p:tgtEl>
+                                        <p:attrNameLst>
+                                          <p:attrName>style.visibility</p:attrName>
+                                        </p:attrNameLst>
+                                      </p:cBhvr>
+                                      <p:to>
+                                        <p:strVal val="visible"/>
+                                      </p:to>
+                                    </p:set>
+                                  </p:childTnLst>
+                                </p:cTn>
+                              </p:par>
+                            </p:childTnLst>
+                          </p:cTn>
+                        </p:par>
+                        <p:par>
+                          <p:cTn id="63" fill="hold">
+                            <p:stCondLst>
+                              <p:cond delay="500"/>
+                            </p:stCondLst>
+                            <p:childTnLst>
+                              <p:par>
+                                <p:cTn id="64" presetID="1" presetClass="entr" presetSubtype="0" fill="hold" nodeType="afterEffect">
+                                  <p:stCondLst>
+                                    <p:cond delay="0"/>
+                                  </p:stCondLst>
+                                  <p:childTnLst>
+                                    <p:set>
+                                      <p:cBhvr>
+                                        <p:cTn id="65" dur="1" fill="hold">
+                                          <p:stCondLst>
+                                            <p:cond delay="0"/>
+                                          </p:stCondLst>
+                                        </p:cTn>
+                                        <p:tgtEl>
+                                          <p:spTgt spid="31"/>
+                                        </p:tgtEl>
+                                        <p:attrNameLst>
+                                          <p:attrName>style.visibility</p:attrName>
+                                        </p:attrNameLst>
+                                      </p:cBhvr>
+                                      <p:to>
+                                        <p:strVal val="visible"/>
+                                      </p:to>
+                                    </p:set>
+                                  </p:childTnLst>
+                                </p:cTn>
+                              </p:par>
+                            </p:childTnLst>
+                          </p:cTn>
+                        </p:par>
+                      </p:childTnLst>
+                    </p:cTn>
+                  </p:par>
+                  <p:par>
+                    <p:cTn id="66" fill="hold">
+                      <p:stCondLst>
+                        <p:cond delay="indefinite"/>
+                      </p:stCondLst>
+                      <p:childTnLst>
+                        <p:par>
+                          <p:cTn id="67" fill="hold">
+                            <p:stCondLst>
+                              <p:cond delay="0"/>
+                            </p:stCondLst>
+                            <p:childTnLst>
+                              <p:par>
+                                <p:cTn id="68" presetID="1" presetClass="entr" presetSubtype="0" fill="hold" grpId="0" nodeType="clickEffect">
+                                  <p:stCondLst>
+                                    <p:cond delay="0"/>
+                                  </p:stCondLst>
+                                  <p:childTnLst>
+                                    <p:set>
+                                      <p:cBhvr>
+                                        <p:cTn id="69" dur="1" fill="hold">
                                           <p:stCondLst>
                                             <p:cond delay="0"/>
                                           </p:stCondLst>
@@ -6372,14 +7126,14 @@
                                 </p:cTn>
                               </p:par>
                               <p:par>
-                                <p:cTn id="52" presetID="10" presetClass="entr" presetSubtype="0" fill="hold" grpId="0" nodeType="withEffect">
+                                <p:cTn id="70" presetID="10" presetClass="entr" presetSubtype="0" fill="hold" grpId="0" nodeType="withEffect">
                                   <p:stCondLst>
                                     <p:cond delay="0"/>
                                   </p:stCondLst>
                                   <p:childTnLst>
                                     <p:set>
                                       <p:cBhvr>
-                                        <p:cTn id="53" dur="1" fill="hold">
+                                        <p:cTn id="71" dur="1" fill="hold">
                                           <p:stCondLst>
                                             <p:cond delay="0"/>
                                           </p:stCondLst>
@@ -6397,7 +7151,7 @@
                                     </p:set>
                                     <p:animEffect transition="in" filter="fade">
                                       <p:cBhvr>
-                                        <p:cTn id="54" dur="500"/>
+                                        <p:cTn id="72" dur="500"/>
                                         <p:tgtEl>
                                           <p:spTgt spid="45"/>
                                         </p:tgtEl>
@@ -6407,14 +7161,14 @@
                                 </p:cTn>
                               </p:par>
                               <p:par>
-                                <p:cTn id="55" presetID="1" presetClass="entr" presetSubtype="0" fill="hold" grpId="0" nodeType="withEffect">
+                                <p:cTn id="73" presetID="1" presetClass="entr" presetSubtype="0" fill="hold" grpId="0" nodeType="withEffect">
                                   <p:stCondLst>
                                     <p:cond delay="0"/>
                                   </p:stCondLst>
                                   <p:childTnLst>
                                     <p:set>
                                       <p:cBhvr>
-                                        <p:cTn id="56" dur="1" fill="hold">
+                                        <p:cTn id="74" dur="1" fill="hold">
                                           <p:stCondLst>
                                             <p:cond delay="0"/>
                                           </p:stCondLst>
@@ -6437,20 +7191,20 @@
                           </p:cTn>
                         </p:par>
                         <p:par>
-                          <p:cTn id="57" fill="hold">
+                          <p:cTn id="75" fill="hold">
                             <p:stCondLst>
                               <p:cond delay="500"/>
                             </p:stCondLst>
                             <p:childTnLst>
                               <p:par>
-                                <p:cTn id="58" presetID="10" presetClass="entr" presetSubtype="0" fill="hold" grpId="0" nodeType="afterEffect">
+                                <p:cTn id="76" presetID="10" presetClass="entr" presetSubtype="0" fill="hold" grpId="0" nodeType="afterEffect">
                                   <p:stCondLst>
                                     <p:cond delay="0"/>
                                   </p:stCondLst>
                                   <p:childTnLst>
                                     <p:set>
                                       <p:cBhvr>
-                                        <p:cTn id="59" dur="1" fill="hold">
+                                        <p:cTn id="77" dur="1" fill="hold">
                                           <p:stCondLst>
                                             <p:cond delay="0"/>
                                           </p:stCondLst>
@@ -6468,9 +7222,62 @@
                                     </p:set>
                                     <p:animEffect transition="in" filter="fade">
                                       <p:cBhvr>
-                                        <p:cTn id="60" dur="500"/>
+                                        <p:cTn id="78" dur="500"/>
                                         <p:tgtEl>
                                           <p:spTgt spid="15"/>
+                                        </p:tgtEl>
+                                      </p:cBhvr>
+                                    </p:animEffect>
+                                  </p:childTnLst>
+                                </p:cTn>
+                              </p:par>
+                            </p:childTnLst>
+                          </p:cTn>
+                        </p:par>
+                      </p:childTnLst>
+                    </p:cTn>
+                  </p:par>
+                  <p:par>
+                    <p:cTn id="79" fill="hold">
+                      <p:stCondLst>
+                        <p:cond delay="indefinite"/>
+                      </p:stCondLst>
+                      <p:childTnLst>
+                        <p:par>
+                          <p:cTn id="80" fill="hold">
+                            <p:stCondLst>
+                              <p:cond delay="0"/>
+                            </p:stCondLst>
+                            <p:childTnLst>
+                              <p:par>
+                                <p:cTn id="81" presetID="16" presetClass="entr" presetSubtype="21" fill="hold" grpId="0" nodeType="clickEffect">
+                                  <p:stCondLst>
+                                    <p:cond delay="0"/>
+                                  </p:stCondLst>
+                                  <p:childTnLst>
+                                    <p:set>
+                                      <p:cBhvr>
+                                        <p:cTn id="82" dur="1" fill="hold">
+                                          <p:stCondLst>
+                                            <p:cond delay="0"/>
+                                          </p:stCondLst>
+                                        </p:cTn>
+                                        <p:tgtEl>
+                                          <p:spTgt spid="53"/>
+                                        </p:tgtEl>
+                                        <p:attrNameLst>
+                                          <p:attrName>style.visibility</p:attrName>
+                                        </p:attrNameLst>
+                                      </p:cBhvr>
+                                      <p:to>
+                                        <p:strVal val="visible"/>
+                                      </p:to>
+                                    </p:set>
+                                    <p:animEffect transition="in" filter="barn(inVertical)">
+                                      <p:cBhvr>
+                                        <p:cTn id="83" dur="500"/>
+                                        <p:tgtEl>
+                                          <p:spTgt spid="53"/>
                                         </p:tgtEl>
                                       </p:cBhvr>
                                     </p:animEffect>
@@ -6521,6 +7328,11 @@
       <p:bldP spid="44" grpId="0" animBg="1"/>
       <p:bldP spid="45" grpId="0" animBg="1"/>
       <p:bldP spid="22" grpId="0" animBg="1"/>
+      <p:bldP spid="12" grpId="0" animBg="1"/>
+      <p:bldP spid="34" grpId="0" animBg="1"/>
+      <p:bldP spid="29" grpId="0" animBg="1"/>
+      <p:bldP spid="46" grpId="0" animBg="1"/>
+      <p:bldP spid="53" grpId="0" animBg="1"/>
     </p:bldLst>
   </p:timing>
 </p:sld>
@@ -6543,6 +7355,45 @@
           <a:chExt cx="0" cy="0"/>
         </a:xfrm>
       </p:grpSpPr>
+      <p:sp>
+        <p:nvSpPr>
+          <p:cNvPr id="10" name="Rectangle 9"/>
+          <p:cNvSpPr/>
+          <p:nvPr/>
+        </p:nvSpPr>
+        <p:spPr>
+          <a:xfrm>
+            <a:off x="155575" y="609600"/>
+            <a:ext cx="8836025" cy="4343400"/>
+          </a:xfrm>
+          <a:prstGeom prst="rect">
+            <a:avLst/>
+          </a:prstGeom>
+          <a:ln w="3175"/>
+        </p:spPr>
+        <p:style>
+          <a:lnRef idx="2">
+            <a:schemeClr val="accent4"/>
+          </a:lnRef>
+          <a:fillRef idx="1">
+            <a:schemeClr val="lt1"/>
+          </a:fillRef>
+          <a:effectRef idx="0">
+            <a:schemeClr val="accent4"/>
+          </a:effectRef>
+          <a:fontRef idx="minor">
+            <a:schemeClr val="dk1"/>
+          </a:fontRef>
+        </p:style>
+        <p:txBody>
+          <a:bodyPr rtlCol="0" anchor="ctr"/>
+          <a:lstStyle/>
+          <a:p>
+            <a:pPr algn="ctr"/>
+            <a:endParaRPr lang="en-US"/>
+          </a:p>
+        </p:txBody>
+      </p:sp>
       <p:sp>
         <p:nvSpPr>
           <p:cNvPr id="3" name="AutoShape 2" descr="data:image/png;base64,iVBORw0KGgoAAAANSUhEUgAAANEAAADxCAMAAABiSKLrAAAAbFBMVEWIiIj////6+vr29vb19fX4+Pj5+fnu7u77+/v39/f9/f3z8/P+/v709PT8/Pyqqqrt7e3v7+/w8PDx8fHy8vK+vr7Q0NCjo6OBgYHY2Njk5OTHx8eNjY3c3NzGxsbn5+eWlpa1tbWcnJx6enob4+f+AAAIqklEQVR4nO3dCZuaOhQGYEZAh0FkX2W1//8/lkVMICeIkRmOPHz22lYg5OVEZLFzJRNrnC+xSGt3nJvQekMUYktnEiM1ouDrjCs/pukLkzoRtpjmNRcloRUFoiS8oo5UvLwsYpEgCaXoHLYiMRJqkRAJt0iEhFwkQMIqCgJRElpRLErCL3r1oxavSJSEWCRIQikyOtGQNPd8CaXICc04FiXhFomQkIsESChFbmhmwiT0opf3eBivMzSjLuORnh49oKxRKxIloayR24oESShFRScSI6EUJaGZCJNwiwhp/skFcpFAlbCLXiehF71MQisSJiEVVYkwqRP9oEpXI1HSXXRuWjo/2jz3f3v8YfjS7871lbU1EiT1IjrAKrvX/2iurzisijkk8OQC5ah7iERIyEUCJOyi10noRU9J490DUpFPRAApniJhFVnzSaOdOF6RKAmlKGhFgiTMohdIyYeIhEh30aV99E9NLo8VXLqn++Q/mIuIREid6DJsv32s91Ityi1hEtJRl5+ESX2NMKUR2ZYoCbNIjIRV5FiiJIyicx7mriVEKnCKfvxadBIloRQ1NTqJkcICpcgPr7rjOPYJZnFNbZVwikw/YHNlXmDi4xW9kU70jSnNqOu/xL4R0aWg3yNMgNHWp0I66i7Dy5PsdXFuApw1Eg8RndfuykLZa4Q/512EPrsIfzYtOmwje43wh4h+1u7KQvm5bk601wh9NlijXYQ+uwh/HqLrZkTXh+h4PDQP8lQ/PvAlSrT2xl0oRHQ5biOXXYQ+uwh/dhH+7CL82bRI3Ua2XKPvtTfuQvneReizi/BnF+HPLsKfTYu0bYQWsd5PfImIDmtv3IVy2EXos4vwZxfhzy7CH0okbyO7CH+2/D46rr1xF8pxF6HPLsKfXYQ/uwh/KJGyjWxatPZwWShEpK69cReKuovQZxfhzy7Cn12EP0SkGduItmHRzFF3P3r63ZHzTl4YdYqsHg/e/YdF2e7xcFRVrba109gMFp2evGhmjzpFVZLcvJVpl7K8hWaVB1liNVNdJh7VZ4Wd7P4aaa5I866lFEnDRHWksC5eVgtH8VWy8PHGTE5V/rr+QqSocTnm9CpTM+SMmRhVVJcPKbPYv5VFcs7x1F3P1eeikl1sXZHGB0lRLH+eSI75ICk6KZ8nctkOkaQN+cNEWjBRIimU0YpkHY4hmxOgqNIMHRaRJo6giLO+dyM/F1nsvpfqWVAv92Eihe0u3bNE+TgR/FkURfWhUHPMIBsguh6N0yKNs7o/EGkVIEpj+XA8fltJ0GzqDxMdQwBka+2gqQ/p9FYkpaNIiEXuje3OddQfg738rFCTcYmME9sdKXntbY1MBOy802JrotJ6bSUiInLia7y2+aZEbXuyxXbn5vXXGQazDs+6xUWGoql2kXU/DDrOssLWNFmZ65oQufeflwvU6PHDdO8ki/0xu/Rb7RVRvZNJgupW7y3bU+T6JLnej97MPLNUhbPIbJEV9U2y/eknHds5lfhfNMo/sb23oRX5LQXWGUmpGdtz3nxEpOiep7eP+5MFUEZJj+0SCnsCVX/CkrZUQFRvQG+8RkNOzHTi5LL0rW6x8YL0bwolGtdolqir0fQxAyQCNrdsVczFmdFS6fXp+4kSecPMEqntrAYkkklTYI288frkYKI+j+XCYtzRUdCIdMV/7mkWTDNmY6AU6bo5C9QknqwSEpFuzAdJUjZFQiJSoFMWfhIDu0ievDjD5ubquEV6AjVet3krU3B/Hvn8cYdDBJxUSlKVaJqmWvENMiXcImEQKcCYi26W1nZaN9SAXXFkcos0JZpxXLeICDpLDnVSBDkDusAtEhGN72p5J78LcMbn9+nudemgiDSlASLF66cC20NKbZ3qCnAnIfKp9gcxiIjVPj8/8mbVCBY9VsNes42C4YgBrgyUJ06NpkRdCuD8yB418pYIOkl2hyuQ2SOkKOMMO4M76vrBB4sG84Cjjrr5Cooeo4TdLwyGbLsC4IKgD93dHY66lUQye7gQxfqgfdcDhr7JeSOtLoL2dOn4KEdX2E+s0hp24j3RaUERsPnLLBmlYPceaYJVBB0Bja85p8ANn3rXgFX02kEqaSGAeywoGs7zjghYdqYoxyp68USCtMDZfX+wqHomav53fkBcWDSYx4NEBpkuAyLj3oSwSDIVsMM6ETVAp/3V/KG2tP/xRPRccI1IW7Comyr8PupE9052bbW/0yLHpX/1T1wRmQuskULa4oqcd/Z1pjLu6li0zqgDP49m5fmo+2NR3z50zFBYczLsBB6Rxx6y8Q5wRoE7LCaylhM5BnTs7cGdmZP1RZzdygeLXOjW9fg94jYXUnjjbBHRcJ5nImVKBA67fFgkL/HzIE4KRW7vM0/i/kQ0WSPHg75KldHdqc+h7pfZ0jKs/GuDM3hvNSLizSEqoroE1Yia7ELf00kIWS/o09z+EmLA6bC3hMh9TwRskDq51x47e4Zzhc73Qt64wyByPOjmUVT6cZZkcQV+0zxNflX05qgD36tSe3MilcCr1FLEe9sPRDYYjmgwD1wjMl1hm4h0ugF43PETVd6wB3RbKES2Pu+2cr9waHFBWESO+8JtyxrkckFYRDa8dxAAoRHNH3hRNTHkUIlsY9Z3TqR6LzcFokScSsKi4TzPRMYske0VT78XJJkJZ8uTzojV6FdEtmNkE9/diqLUzJTpAtmzalQyF6FvI5ETA9+OpraQwTYhwRvQMYqryX6sNn8vq8AynnqoGuXuCY7N/vMR3R7N47DzePR04J+gjJt4rM7V3SzwzbC8FzYtb2Z1jQtDd3nLDOLmD1E9v90++qfT4Lfh5N+cq/508shXb5st6Ll1cWa2RYu2EUo0p6QfkF2EP7sIf3YR/hCRs3ZXFoqzYdEGR92su1D4Q486yzq1D/L0iS85W67R2l1ZKLsIfzYs4l05+bg8rpxU/lZS3UXbyvZE/wFXu+LXNTDaDQAAAABJRU5ErkJggg=="/>
@@ -6710,11 +7561,7 @@
           <a:p>
             <a:r>
               <a:rPr lang="en-US" sz="1200" dirty="0" smtClean="0"/>
-              <a:t>Shared </a:t>
-            </a:r>
-            <a:r>
-              <a:rPr lang="en-US" sz="1200" dirty="0" smtClean="0"/>
-              <a:t>resource</a:t>
+              <a:t>Shared resource</a:t>
             </a:r>
             <a:endParaRPr lang="en-US" sz="1200" dirty="0"/>
           </a:p>
@@ -6728,8 +7575,8 @@
         </p:nvSpPr>
         <p:spPr>
           <a:xfrm>
-            <a:off x="3434617" y="1405684"/>
-            <a:ext cx="638175" cy="1528016"/>
+            <a:off x="3603894" y="1405683"/>
+            <a:ext cx="739506" cy="1575641"/>
           </a:xfrm>
           <a:custGeom>
             <a:avLst/>
@@ -7198,7 +8045,7 @@
         <p:spPr>
           <a:xfrm>
             <a:off x="5086217" y="1381121"/>
-            <a:ext cx="809758" cy="1600204"/>
+            <a:ext cx="552583" cy="1600204"/>
           </a:xfrm>
           <a:custGeom>
             <a:avLst/>
@@ -7708,7 +8555,7 @@
         </p:nvSpPr>
         <p:spPr>
           <a:xfrm>
-            <a:off x="3434617" y="1104122"/>
+            <a:off x="3600437" y="1183958"/>
             <a:ext cx="338554" cy="276999"/>
           </a:xfrm>
           <a:prstGeom prst="rect">
@@ -7751,7 +8598,7 @@
         </p:nvSpPr>
         <p:spPr>
           <a:xfrm>
-            <a:off x="5767116" y="1104122"/>
+            <a:off x="5583280" y="1104122"/>
             <a:ext cx="338554" cy="276999"/>
           </a:xfrm>
           <a:prstGeom prst="rect">
@@ -8490,6 +9337,925 @@
               <a:t>Locked = true</a:t>
             </a:r>
             <a:endParaRPr lang="en-US" sz="1200" dirty="0"/>
+          </a:p>
+        </p:txBody>
+      </p:sp>
+      <p:sp>
+        <p:nvSpPr>
+          <p:cNvPr id="27" name="TextBox 26"/>
+          <p:cNvSpPr txBox="1"/>
+          <p:nvPr/>
+        </p:nvSpPr>
+        <p:spPr>
+          <a:xfrm>
+            <a:off x="161500" y="316337"/>
+            <a:ext cx="1513235" cy="276999"/>
+          </a:xfrm>
+          <a:prstGeom prst="rect">
+            <a:avLst/>
+          </a:prstGeom>
+        </p:spPr>
+        <p:style>
+          <a:lnRef idx="1">
+            <a:schemeClr val="accent3"/>
+          </a:lnRef>
+          <a:fillRef idx="3">
+            <a:schemeClr val="accent3"/>
+          </a:fillRef>
+          <a:effectRef idx="2">
+            <a:schemeClr val="accent3"/>
+          </a:effectRef>
+          <a:fontRef idx="minor">
+            <a:schemeClr val="lt1"/>
+          </a:fontRef>
+        </p:style>
+        <p:txBody>
+          <a:bodyPr wrap="none" rtlCol="0">
+            <a:spAutoFit/>
+          </a:bodyPr>
+          <a:lstStyle/>
+          <a:p>
+            <a:r>
+              <a:rPr lang="en-US" sz="1200" dirty="0" smtClean="0"/>
+              <a:t>With Synchronization</a:t>
+            </a:r>
+            <a:endParaRPr lang="en-US" sz="1200" dirty="0"/>
+          </a:p>
+        </p:txBody>
+      </p:sp>
+      <p:cxnSp>
+        <p:nvCxnSpPr>
+          <p:cNvPr id="28" name="Straight Arrow Connector 27"/>
+          <p:cNvCxnSpPr/>
+          <p:nvPr/>
+        </p:nvCxnSpPr>
+        <p:spPr>
+          <a:xfrm flipH="1" flipV="1">
+            <a:off x="2057400" y="2311569"/>
+            <a:ext cx="2015392" cy="2262595"/>
+          </a:xfrm>
+          <a:prstGeom prst="straightConnector1">
+            <a:avLst/>
+          </a:prstGeom>
+          <a:ln>
+            <a:tailEnd type="arrow"/>
+          </a:ln>
+        </p:spPr>
+        <p:style>
+          <a:lnRef idx="1">
+            <a:schemeClr val="accent1"/>
+          </a:lnRef>
+          <a:fillRef idx="0">
+            <a:schemeClr val="accent1"/>
+          </a:fillRef>
+          <a:effectRef idx="0">
+            <a:schemeClr val="accent1"/>
+          </a:effectRef>
+          <a:fontRef idx="minor">
+            <a:schemeClr val="tx1"/>
+          </a:fontRef>
+        </p:style>
+      </p:cxnSp>
+      <p:sp>
+        <p:nvSpPr>
+          <p:cNvPr id="29" name="TextBox 28"/>
+          <p:cNvSpPr txBox="1"/>
+          <p:nvPr/>
+        </p:nvSpPr>
+        <p:spPr>
+          <a:xfrm>
+            <a:off x="918118" y="2583269"/>
+            <a:ext cx="1309814" cy="1569660"/>
+          </a:xfrm>
+          <a:prstGeom prst="rect">
+            <a:avLst/>
+          </a:prstGeom>
+        </p:spPr>
+        <p:style>
+          <a:lnRef idx="1">
+            <a:schemeClr val="dk1"/>
+          </a:lnRef>
+          <a:fillRef idx="2">
+            <a:schemeClr val="dk1"/>
+          </a:fillRef>
+          <a:effectRef idx="1">
+            <a:schemeClr val="dk1"/>
+          </a:effectRef>
+          <a:fontRef idx="minor">
+            <a:schemeClr val="dk1"/>
+          </a:fontRef>
+        </p:style>
+        <p:txBody>
+          <a:bodyPr wrap="square" rtlCol="0">
+            <a:spAutoFit/>
+          </a:bodyPr>
+          <a:lstStyle/>
+          <a:p>
+            <a:pPr marL="171450" indent="-171450">
+              <a:buFont typeface="Wingdings" pitchFamily="2" charset="2"/>
+              <a:buChar char="ü"/>
+            </a:pPr>
+            <a:r>
+              <a:rPr lang="en-US" sz="800" dirty="0" smtClean="0"/>
+              <a:t>At 2.00 PM T1  take Employee.txt  for update operation.</a:t>
+            </a:r>
+          </a:p>
+          <a:p>
+            <a:pPr marL="171450" indent="-171450">
+              <a:buFont typeface="Wingdings" pitchFamily="2" charset="2"/>
+              <a:buChar char="ü"/>
+            </a:pPr>
+            <a:endParaRPr lang="en-US" sz="800" dirty="0" smtClean="0"/>
+          </a:p>
+          <a:p>
+            <a:pPr marL="171450" indent="-171450">
+              <a:buFont typeface="Wingdings" pitchFamily="2" charset="2"/>
+              <a:buChar char="ü"/>
+            </a:pPr>
+            <a:r>
+              <a:rPr lang="en-US" sz="800" dirty="0" smtClean="0"/>
+              <a:t>T1 updates Locked as true. So that other threads cannot access Employee.txt file till lock is released.</a:t>
+            </a:r>
+            <a:endParaRPr lang="en-US" sz="800" dirty="0"/>
+          </a:p>
+          <a:p>
+            <a:pPr marL="171450" indent="-171450">
+              <a:buFont typeface="Wingdings" pitchFamily="2" charset="2"/>
+              <a:buChar char="ü"/>
+            </a:pPr>
+            <a:endParaRPr lang="en-US" sz="800" dirty="0" smtClean="0"/>
+          </a:p>
+          <a:p>
+            <a:pPr marL="171450" indent="-171450">
+              <a:buFont typeface="Wingdings" pitchFamily="2" charset="2"/>
+              <a:buChar char="ü"/>
+            </a:pPr>
+            <a:r>
+              <a:rPr lang="en-US" sz="800" dirty="0" smtClean="0"/>
+              <a:t>T1  added Age and</a:t>
+            </a:r>
+          </a:p>
+          <a:p>
+            <a:r>
+              <a:rPr lang="en-US" sz="800" dirty="0" smtClean="0"/>
+              <a:t>        Sex in Employee.txt</a:t>
+            </a:r>
+            <a:endParaRPr lang="en-US" sz="800" dirty="0"/>
+          </a:p>
+        </p:txBody>
+      </p:sp>
+      <p:cxnSp>
+        <p:nvCxnSpPr>
+          <p:cNvPr id="15" name="Straight Arrow Connector 14"/>
+          <p:cNvCxnSpPr/>
+          <p:nvPr/>
+        </p:nvCxnSpPr>
+        <p:spPr>
+          <a:xfrm>
+            <a:off x="2850138" y="2311568"/>
+            <a:ext cx="1222654" cy="1498432"/>
+          </a:xfrm>
+          <a:prstGeom prst="straightConnector1">
+            <a:avLst/>
+          </a:prstGeom>
+          <a:ln>
+            <a:tailEnd type="arrow"/>
+          </a:ln>
+        </p:spPr>
+        <p:style>
+          <a:lnRef idx="1">
+            <a:schemeClr val="accent1"/>
+          </a:lnRef>
+          <a:fillRef idx="0">
+            <a:schemeClr val="accent1"/>
+          </a:fillRef>
+          <a:effectRef idx="0">
+            <a:schemeClr val="accent1"/>
+          </a:effectRef>
+          <a:fontRef idx="minor">
+            <a:schemeClr val="tx1"/>
+          </a:fontRef>
+        </p:style>
+      </p:cxnSp>
+      <p:sp>
+        <p:nvSpPr>
+          <p:cNvPr id="38" name="TextBox 37"/>
+          <p:cNvSpPr txBox="1"/>
+          <p:nvPr/>
+        </p:nvSpPr>
+        <p:spPr>
+          <a:xfrm>
+            <a:off x="2743725" y="2387709"/>
+            <a:ext cx="982961" cy="830997"/>
+          </a:xfrm>
+          <a:prstGeom prst="rect">
+            <a:avLst/>
+          </a:prstGeom>
+        </p:spPr>
+        <p:style>
+          <a:lnRef idx="1">
+            <a:schemeClr val="dk1"/>
+          </a:lnRef>
+          <a:fillRef idx="2">
+            <a:schemeClr val="dk1"/>
+          </a:fillRef>
+          <a:effectRef idx="1">
+            <a:schemeClr val="dk1"/>
+          </a:effectRef>
+          <a:fontRef idx="minor">
+            <a:schemeClr val="dk1"/>
+          </a:fontRef>
+        </p:style>
+        <p:txBody>
+          <a:bodyPr wrap="none" rtlCol="0">
+            <a:spAutoFit/>
+          </a:bodyPr>
+          <a:lstStyle/>
+          <a:p>
+            <a:pPr marL="171450" indent="-171450">
+              <a:buFont typeface="Wingdings" pitchFamily="2" charset="2"/>
+              <a:buChar char="ü"/>
+            </a:pPr>
+            <a:r>
+              <a:rPr lang="en-US" sz="800" dirty="0" smtClean="0"/>
+              <a:t>At 2.02 PM T1 </a:t>
+            </a:r>
+          </a:p>
+          <a:p>
+            <a:r>
+              <a:rPr lang="en-US" sz="800" dirty="0" smtClean="0"/>
+              <a:t>       Updated </a:t>
+            </a:r>
+          </a:p>
+          <a:p>
+            <a:r>
+              <a:rPr lang="en-US" sz="800" dirty="0"/>
+              <a:t> </a:t>
+            </a:r>
+            <a:r>
+              <a:rPr lang="en-US" sz="800" dirty="0" smtClean="0"/>
+              <a:t>      Employee.txt</a:t>
+            </a:r>
+          </a:p>
+          <a:p>
+            <a:pPr marL="171450" indent="-171450">
+              <a:buFont typeface="Wingdings" pitchFamily="2" charset="2"/>
+              <a:buChar char="ü"/>
+            </a:pPr>
+            <a:endParaRPr lang="en-US" sz="800" dirty="0" smtClean="0"/>
+          </a:p>
+          <a:p>
+            <a:pPr marL="171450" indent="-171450">
+              <a:buFont typeface="Wingdings" pitchFamily="2" charset="2"/>
+              <a:buChar char="ü"/>
+            </a:pPr>
+            <a:r>
+              <a:rPr lang="en-US" sz="800" dirty="0" smtClean="0"/>
+              <a:t>T1 updates </a:t>
+            </a:r>
+            <a:br>
+              <a:rPr lang="en-US" sz="800" dirty="0" smtClean="0"/>
+            </a:br>
+            <a:r>
+              <a:rPr lang="en-US" sz="800" dirty="0" smtClean="0"/>
+              <a:t>Locked as false</a:t>
+            </a:r>
+            <a:endParaRPr lang="en-US" sz="800" dirty="0"/>
+          </a:p>
+        </p:txBody>
+      </p:sp>
+      <p:cxnSp>
+        <p:nvCxnSpPr>
+          <p:cNvPr id="19" name="Straight Arrow Connector 18"/>
+          <p:cNvCxnSpPr/>
+          <p:nvPr/>
+        </p:nvCxnSpPr>
+        <p:spPr>
+          <a:xfrm flipV="1">
+            <a:off x="5124317" y="2392816"/>
+            <a:ext cx="2160601" cy="2181348"/>
+          </a:xfrm>
+          <a:prstGeom prst="straightConnector1">
+            <a:avLst/>
+          </a:prstGeom>
+          <a:ln>
+            <a:tailEnd type="arrow"/>
+          </a:ln>
+        </p:spPr>
+        <p:style>
+          <a:lnRef idx="1">
+            <a:schemeClr val="accent1"/>
+          </a:lnRef>
+          <a:fillRef idx="0">
+            <a:schemeClr val="accent1"/>
+          </a:fillRef>
+          <a:effectRef idx="0">
+            <a:schemeClr val="accent1"/>
+          </a:effectRef>
+          <a:fontRef idx="minor">
+            <a:schemeClr val="tx1"/>
+          </a:fontRef>
+        </p:style>
+      </p:cxnSp>
+      <p:sp>
+        <p:nvSpPr>
+          <p:cNvPr id="39" name="TextBox 38"/>
+          <p:cNvSpPr txBox="1"/>
+          <p:nvPr/>
+        </p:nvSpPr>
+        <p:spPr>
+          <a:xfrm>
+            <a:off x="6646150" y="2937361"/>
+            <a:ext cx="1812050" cy="1200329"/>
+          </a:xfrm>
+          <a:prstGeom prst="rect">
+            <a:avLst/>
+          </a:prstGeom>
+        </p:spPr>
+        <p:style>
+          <a:lnRef idx="1">
+            <a:schemeClr val="dk1"/>
+          </a:lnRef>
+          <a:fillRef idx="2">
+            <a:schemeClr val="dk1"/>
+          </a:fillRef>
+          <a:effectRef idx="1">
+            <a:schemeClr val="dk1"/>
+          </a:effectRef>
+          <a:fontRef idx="minor">
+            <a:schemeClr val="dk1"/>
+          </a:fontRef>
+        </p:style>
+        <p:txBody>
+          <a:bodyPr wrap="square" rtlCol="0">
+            <a:spAutoFit/>
+          </a:bodyPr>
+          <a:lstStyle/>
+          <a:p>
+            <a:pPr marL="171450" indent="-171450">
+              <a:buFont typeface="Wingdings" pitchFamily="2" charset="2"/>
+              <a:buChar char="ü"/>
+            </a:pPr>
+            <a:r>
+              <a:rPr lang="en-US" sz="800" dirty="0" smtClean="0"/>
+              <a:t>At 2.03 PM T2  take Employee.txt </a:t>
+            </a:r>
+          </a:p>
+          <a:p>
+            <a:r>
+              <a:rPr lang="en-US" sz="800" dirty="0" smtClean="0"/>
+              <a:t>        for update operation. </a:t>
+            </a:r>
+          </a:p>
+          <a:p>
+            <a:pPr marL="171450" indent="-171450">
+              <a:buFont typeface="Wingdings" pitchFamily="2" charset="2"/>
+              <a:buChar char="ü"/>
+            </a:pPr>
+            <a:endParaRPr lang="en-US" sz="800" dirty="0" smtClean="0"/>
+          </a:p>
+          <a:p>
+            <a:pPr marL="171450" indent="-171450">
+              <a:buFont typeface="Wingdings" pitchFamily="2" charset="2"/>
+              <a:buChar char="ü"/>
+            </a:pPr>
+            <a:r>
+              <a:rPr lang="en-US" sz="800" dirty="0" smtClean="0"/>
+              <a:t>T2 </a:t>
+            </a:r>
+            <a:r>
+              <a:rPr lang="en-US" sz="800" dirty="0"/>
+              <a:t>updates  </a:t>
+            </a:r>
+            <a:r>
+              <a:rPr lang="en-US" sz="800" dirty="0" smtClean="0"/>
+              <a:t>Locked </a:t>
+            </a:r>
+            <a:r>
+              <a:rPr lang="en-US" sz="800" dirty="0"/>
+              <a:t>as true. So that other threads cannot access Employee.txt file till lock is released.</a:t>
+            </a:r>
+          </a:p>
+          <a:p>
+            <a:pPr marL="171450" indent="-171450">
+              <a:buFont typeface="Wingdings" pitchFamily="2" charset="2"/>
+              <a:buChar char="ü"/>
+            </a:pPr>
+            <a:endParaRPr lang="en-US" sz="800" dirty="0"/>
+          </a:p>
+          <a:p>
+            <a:pPr marL="171450" indent="-171450">
+              <a:buFont typeface="Wingdings" pitchFamily="2" charset="2"/>
+              <a:buChar char="ü"/>
+            </a:pPr>
+            <a:r>
+              <a:rPr lang="en-US" sz="800" dirty="0" smtClean="0"/>
+              <a:t>T2 added Id in Employee.txt</a:t>
+            </a:r>
+            <a:endParaRPr lang="en-US" sz="800" dirty="0"/>
+          </a:p>
+        </p:txBody>
+      </p:sp>
+      <p:cxnSp>
+        <p:nvCxnSpPr>
+          <p:cNvPr id="21" name="Straight Arrow Connector 20"/>
+          <p:cNvCxnSpPr/>
+          <p:nvPr/>
+        </p:nvCxnSpPr>
+        <p:spPr>
+          <a:xfrm flipH="1">
+            <a:off x="5124317" y="2387709"/>
+            <a:ext cx="1276483" cy="1499573"/>
+          </a:xfrm>
+          <a:prstGeom prst="straightConnector1">
+            <a:avLst/>
+          </a:prstGeom>
+          <a:ln>
+            <a:tailEnd type="arrow"/>
+          </a:ln>
+        </p:spPr>
+        <p:style>
+          <a:lnRef idx="1">
+            <a:schemeClr val="accent1"/>
+          </a:lnRef>
+          <a:fillRef idx="0">
+            <a:schemeClr val="accent1"/>
+          </a:fillRef>
+          <a:effectRef idx="0">
+            <a:schemeClr val="accent1"/>
+          </a:effectRef>
+          <a:fontRef idx="minor">
+            <a:schemeClr val="tx1"/>
+          </a:fontRef>
+        </p:style>
+      </p:cxnSp>
+      <p:sp>
+        <p:nvSpPr>
+          <p:cNvPr id="40" name="TextBox 39"/>
+          <p:cNvSpPr txBox="1"/>
+          <p:nvPr/>
+        </p:nvSpPr>
+        <p:spPr>
+          <a:xfrm>
+            <a:off x="5404494" y="2540109"/>
+            <a:ext cx="982961" cy="830997"/>
+          </a:xfrm>
+          <a:prstGeom prst="rect">
+            <a:avLst/>
+          </a:prstGeom>
+        </p:spPr>
+        <p:style>
+          <a:lnRef idx="1">
+            <a:schemeClr val="dk1"/>
+          </a:lnRef>
+          <a:fillRef idx="2">
+            <a:schemeClr val="dk1"/>
+          </a:fillRef>
+          <a:effectRef idx="1">
+            <a:schemeClr val="dk1"/>
+          </a:effectRef>
+          <a:fontRef idx="minor">
+            <a:schemeClr val="dk1"/>
+          </a:fontRef>
+        </p:style>
+        <p:txBody>
+          <a:bodyPr wrap="none" rtlCol="0">
+            <a:spAutoFit/>
+          </a:bodyPr>
+          <a:lstStyle/>
+          <a:p>
+            <a:pPr marL="171450" indent="-171450">
+              <a:buFont typeface="Wingdings" pitchFamily="2" charset="2"/>
+              <a:buChar char="ü"/>
+            </a:pPr>
+            <a:r>
+              <a:rPr lang="en-US" sz="800" dirty="0" smtClean="0"/>
+              <a:t>At 2.04 PM T2 </a:t>
+            </a:r>
+          </a:p>
+          <a:p>
+            <a:r>
+              <a:rPr lang="en-US" sz="800" dirty="0" smtClean="0"/>
+              <a:t>       Updated </a:t>
+            </a:r>
+          </a:p>
+          <a:p>
+            <a:r>
+              <a:rPr lang="en-US" sz="800" dirty="0"/>
+              <a:t> </a:t>
+            </a:r>
+            <a:r>
+              <a:rPr lang="en-US" sz="800" dirty="0" smtClean="0"/>
+              <a:t>      Employee.txt</a:t>
+            </a:r>
+          </a:p>
+          <a:p>
+            <a:pPr marL="171450" indent="-171450">
+              <a:buFont typeface="Wingdings" pitchFamily="2" charset="2"/>
+              <a:buChar char="ü"/>
+            </a:pPr>
+            <a:endParaRPr lang="en-US" sz="800" dirty="0" smtClean="0"/>
+          </a:p>
+          <a:p>
+            <a:pPr marL="171450" indent="-171450">
+              <a:buFont typeface="Wingdings" pitchFamily="2" charset="2"/>
+              <a:buChar char="ü"/>
+            </a:pPr>
+            <a:r>
+              <a:rPr lang="en-US" sz="800" dirty="0" smtClean="0"/>
+              <a:t>T2 updates </a:t>
+            </a:r>
+            <a:br>
+              <a:rPr lang="en-US" sz="800" dirty="0" smtClean="0"/>
+            </a:br>
+            <a:r>
+              <a:rPr lang="en-US" sz="800" dirty="0" smtClean="0"/>
+              <a:t>Locked as false</a:t>
+            </a:r>
+            <a:endParaRPr lang="en-US" sz="800" dirty="0"/>
+          </a:p>
+        </p:txBody>
+      </p:sp>
+      <p:sp>
+        <p:nvSpPr>
+          <p:cNvPr id="41" name="Snip Single Corner Rectangle 40"/>
+          <p:cNvSpPr/>
+          <p:nvPr/>
+        </p:nvSpPr>
+        <p:spPr>
+          <a:xfrm>
+            <a:off x="6284792" y="1283660"/>
+            <a:ext cx="1066800" cy="1088631"/>
+          </a:xfrm>
+          <a:prstGeom prst="snip1Rect">
+            <a:avLst/>
+          </a:prstGeom>
+        </p:spPr>
+        <p:style>
+          <a:lnRef idx="1">
+            <a:schemeClr val="accent3"/>
+          </a:lnRef>
+          <a:fillRef idx="2">
+            <a:schemeClr val="accent3"/>
+          </a:fillRef>
+          <a:effectRef idx="1">
+            <a:schemeClr val="accent3"/>
+          </a:effectRef>
+          <a:fontRef idx="minor">
+            <a:schemeClr val="dk1"/>
+          </a:fontRef>
+        </p:style>
+        <p:txBody>
+          <a:bodyPr rtlCol="0" anchor="ctr"/>
+          <a:lstStyle/>
+          <a:p>
+            <a:r>
+              <a:rPr lang="en-US" sz="1000" dirty="0" smtClean="0"/>
+              <a:t>Name  = Ram</a:t>
+            </a:r>
+          </a:p>
+          <a:p>
+            <a:r>
+              <a:rPr lang="en-US" sz="1000" dirty="0" smtClean="0">
+                <a:solidFill>
+                  <a:srgbClr val="FF0000"/>
+                </a:solidFill>
+              </a:rPr>
+              <a:t>Age     = 32</a:t>
+            </a:r>
+          </a:p>
+          <a:p>
+            <a:r>
+              <a:rPr lang="en-US" sz="1000" dirty="0" smtClean="0">
+                <a:solidFill>
+                  <a:srgbClr val="FF0000"/>
+                </a:solidFill>
+              </a:rPr>
+              <a:t>Sex      = </a:t>
+            </a:r>
+            <a:r>
+              <a:rPr lang="en-US" sz="1000" dirty="0" smtClean="0">
+                <a:solidFill>
+                  <a:srgbClr val="FF0000"/>
+                </a:solidFill>
+              </a:rPr>
+              <a:t>male</a:t>
+            </a:r>
+          </a:p>
+          <a:p>
+            <a:r>
+              <a:rPr lang="en-US" sz="1000" dirty="0" smtClean="0">
+                <a:solidFill>
+                  <a:srgbClr val="FF0000"/>
+                </a:solidFill>
+              </a:rPr>
+              <a:t>Id         =20</a:t>
+            </a:r>
+            <a:endParaRPr lang="en-US" sz="1000" dirty="0">
+              <a:solidFill>
+                <a:srgbClr val="FF0000"/>
+              </a:solidFill>
+            </a:endParaRPr>
+          </a:p>
+        </p:txBody>
+      </p:sp>
+      <p:sp>
+        <p:nvSpPr>
+          <p:cNvPr id="42" name="Snip Single Corner Rectangle 41"/>
+          <p:cNvSpPr/>
+          <p:nvPr/>
+        </p:nvSpPr>
+        <p:spPr>
+          <a:xfrm>
+            <a:off x="4057517" y="3645860"/>
+            <a:ext cx="1066800" cy="1088631"/>
+          </a:xfrm>
+          <a:prstGeom prst="snip1Rect">
+            <a:avLst/>
+          </a:prstGeom>
+        </p:spPr>
+        <p:style>
+          <a:lnRef idx="1">
+            <a:schemeClr val="accent3"/>
+          </a:lnRef>
+          <a:fillRef idx="2">
+            <a:schemeClr val="accent3"/>
+          </a:fillRef>
+          <a:effectRef idx="1">
+            <a:schemeClr val="accent3"/>
+          </a:effectRef>
+          <a:fontRef idx="minor">
+            <a:schemeClr val="dk1"/>
+          </a:fontRef>
+        </p:style>
+        <p:txBody>
+          <a:bodyPr rtlCol="0" anchor="ctr"/>
+          <a:lstStyle/>
+          <a:p>
+            <a:r>
+              <a:rPr lang="en-US" sz="1000" dirty="0" smtClean="0"/>
+              <a:t>Name  = Ram</a:t>
+            </a:r>
+          </a:p>
+          <a:p>
+            <a:r>
+              <a:rPr lang="en-US" sz="1000" dirty="0" smtClean="0">
+                <a:solidFill>
+                  <a:srgbClr val="FF0000"/>
+                </a:solidFill>
+              </a:rPr>
+              <a:t>Age     = 32</a:t>
+            </a:r>
+          </a:p>
+          <a:p>
+            <a:r>
+              <a:rPr lang="en-US" sz="1000" dirty="0" smtClean="0">
+                <a:solidFill>
+                  <a:srgbClr val="FF0000"/>
+                </a:solidFill>
+              </a:rPr>
+              <a:t>Sex      = </a:t>
+            </a:r>
+            <a:r>
+              <a:rPr lang="en-US" sz="1000" dirty="0" smtClean="0">
+                <a:solidFill>
+                  <a:srgbClr val="FF0000"/>
+                </a:solidFill>
+              </a:rPr>
+              <a:t>male</a:t>
+            </a:r>
+          </a:p>
+          <a:p>
+            <a:r>
+              <a:rPr lang="en-US" sz="1000" dirty="0" smtClean="0">
+                <a:solidFill>
+                  <a:srgbClr val="FF0000"/>
+                </a:solidFill>
+              </a:rPr>
+              <a:t>Id         =20</a:t>
+            </a:r>
+            <a:endParaRPr lang="en-US" sz="1000" dirty="0">
+              <a:solidFill>
+                <a:srgbClr val="FF0000"/>
+              </a:solidFill>
+            </a:endParaRPr>
+          </a:p>
+        </p:txBody>
+      </p:sp>
+      <p:sp>
+        <p:nvSpPr>
+          <p:cNvPr id="43" name="TextBox 42"/>
+          <p:cNvSpPr txBox="1"/>
+          <p:nvPr/>
+        </p:nvSpPr>
+        <p:spPr>
+          <a:xfrm>
+            <a:off x="2850138" y="3399025"/>
+            <a:ext cx="1056764" cy="276999"/>
+          </a:xfrm>
+          <a:prstGeom prst="rect">
+            <a:avLst/>
+          </a:prstGeom>
+        </p:spPr>
+        <p:style>
+          <a:lnRef idx="1">
+            <a:schemeClr val="accent2"/>
+          </a:lnRef>
+          <a:fillRef idx="3">
+            <a:schemeClr val="accent2"/>
+          </a:fillRef>
+          <a:effectRef idx="2">
+            <a:schemeClr val="accent2"/>
+          </a:effectRef>
+          <a:fontRef idx="minor">
+            <a:schemeClr val="lt1"/>
+          </a:fontRef>
+        </p:style>
+        <p:txBody>
+          <a:bodyPr wrap="none" rtlCol="0">
+            <a:spAutoFit/>
+          </a:bodyPr>
+          <a:lstStyle/>
+          <a:p>
+            <a:r>
+              <a:rPr lang="en-US" sz="1200" dirty="0" smtClean="0"/>
+              <a:t>Locked = </a:t>
+            </a:r>
+            <a:r>
+              <a:rPr lang="en-US" sz="1200" dirty="0" smtClean="0"/>
+              <a:t>false</a:t>
+            </a:r>
+            <a:endParaRPr lang="en-US" sz="1200" dirty="0"/>
+          </a:p>
+        </p:txBody>
+      </p:sp>
+      <p:sp>
+        <p:nvSpPr>
+          <p:cNvPr id="44" name="Oval 43"/>
+          <p:cNvSpPr/>
+          <p:nvPr/>
+        </p:nvSpPr>
+        <p:spPr>
+          <a:xfrm>
+            <a:off x="2979061" y="3907722"/>
+            <a:ext cx="914400" cy="457200"/>
+          </a:xfrm>
+          <a:prstGeom prst="ellipse">
+            <a:avLst/>
+          </a:prstGeom>
+        </p:spPr>
+        <p:style>
+          <a:lnRef idx="1">
+            <a:schemeClr val="accent2"/>
+          </a:lnRef>
+          <a:fillRef idx="3">
+            <a:schemeClr val="accent2"/>
+          </a:fillRef>
+          <a:effectRef idx="2">
+            <a:schemeClr val="accent2"/>
+          </a:effectRef>
+          <a:fontRef idx="minor">
+            <a:schemeClr val="lt1"/>
+          </a:fontRef>
+        </p:style>
+        <p:txBody>
+          <a:bodyPr rtlCol="0" anchor="ctr"/>
+          <a:lstStyle/>
+          <a:p>
+            <a:pPr algn="ctr"/>
+            <a:r>
+              <a:rPr lang="en-US" sz="1000" dirty="0" smtClean="0"/>
+              <a:t>2.04 </a:t>
+            </a:r>
+            <a:r>
+              <a:rPr lang="en-US" sz="1000" dirty="0" smtClean="0"/>
+              <a:t>PM</a:t>
+            </a:r>
+            <a:endParaRPr lang="en-US" sz="1000" dirty="0"/>
+          </a:p>
+        </p:txBody>
+      </p:sp>
+      <p:sp>
+        <p:nvSpPr>
+          <p:cNvPr id="22" name="TextBox 21"/>
+          <p:cNvSpPr txBox="1"/>
+          <p:nvPr/>
+        </p:nvSpPr>
+        <p:spPr>
+          <a:xfrm>
+            <a:off x="7162800" y="316337"/>
+            <a:ext cx="184731" cy="369332"/>
+          </a:xfrm>
+          <a:prstGeom prst="rect">
+            <a:avLst/>
+          </a:prstGeom>
+          <a:noFill/>
+        </p:spPr>
+        <p:txBody>
+          <a:bodyPr wrap="none" rtlCol="0">
+            <a:spAutoFit/>
+          </a:bodyPr>
+          <a:lstStyle/>
+          <a:p>
+            <a:endParaRPr lang="en-US" dirty="0"/>
+          </a:p>
+        </p:txBody>
+      </p:sp>
+      <p:sp>
+        <p:nvSpPr>
+          <p:cNvPr id="49" name="Rounded Rectangle 48"/>
+          <p:cNvSpPr/>
+          <p:nvPr/>
+        </p:nvSpPr>
+        <p:spPr>
+          <a:xfrm>
+            <a:off x="7052298" y="-2216"/>
+            <a:ext cx="2040650" cy="1052933"/>
+          </a:xfrm>
+          <a:prstGeom prst="roundRect">
+            <a:avLst/>
+          </a:prstGeom>
+          <a:effectLst>
+            <a:outerShdw blurRad="50800" dist="38100" dir="8100000" algn="tr" rotWithShape="0">
+              <a:prstClr val="black">
+                <a:alpha val="40000"/>
+              </a:prstClr>
+            </a:outerShdw>
+          </a:effectLst>
+        </p:spPr>
+        <p:style>
+          <a:lnRef idx="1">
+            <a:schemeClr val="accent1"/>
+          </a:lnRef>
+          <a:fillRef idx="3">
+            <a:schemeClr val="accent1"/>
+          </a:fillRef>
+          <a:effectRef idx="2">
+            <a:schemeClr val="accent1"/>
+          </a:effectRef>
+          <a:fontRef idx="minor">
+            <a:schemeClr val="lt1"/>
+          </a:fontRef>
+        </p:style>
+        <p:txBody>
+          <a:bodyPr rtlCol="0" anchor="ctr"/>
+          <a:lstStyle/>
+          <a:p>
+            <a:r>
+              <a:rPr lang="en-US" sz="800" dirty="0" smtClean="0"/>
+              <a:t>To avoid </a:t>
+            </a:r>
+            <a:r>
+              <a:rPr lang="en-US" sz="800" dirty="0"/>
+              <a:t>distorted </a:t>
+            </a:r>
+            <a:r>
+              <a:rPr lang="en-US" sz="800" dirty="0" smtClean="0"/>
+              <a:t>results happens </a:t>
+            </a:r>
+          </a:p>
+          <a:p>
+            <a:r>
+              <a:rPr lang="en-US" sz="800" dirty="0" smtClean="0"/>
+              <a:t>with out Synchronization,</a:t>
+            </a:r>
+            <a:r>
+              <a:rPr lang="en-US" sz="800" dirty="0"/>
+              <a:t> synchronization was introduced. With synchronization </a:t>
+            </a:r>
+            <a:r>
+              <a:rPr lang="en-US" sz="800" dirty="0" smtClean="0"/>
+              <a:t>once </a:t>
+            </a:r>
+            <a:r>
+              <a:rPr lang="en-US" sz="800" dirty="0"/>
+              <a:t>T1 starts using </a:t>
+            </a:r>
+            <a:r>
+              <a:rPr lang="en-US" sz="800" i="1" dirty="0"/>
+              <a:t> </a:t>
+            </a:r>
+            <a:r>
+              <a:rPr lang="en-US" sz="800" i="1" dirty="0" smtClean="0"/>
+              <a:t>Employee.txt</a:t>
+            </a:r>
+            <a:r>
+              <a:rPr lang="en-US" sz="800" dirty="0"/>
+              <a:t> file, this file will be </a:t>
+            </a:r>
+            <a:r>
+              <a:rPr lang="en-US" sz="800" b="1" dirty="0"/>
+              <a:t>locked</a:t>
+            </a:r>
+            <a:r>
+              <a:rPr lang="en-US" sz="800" dirty="0"/>
+              <a:t>(LOCK mode), and no other thread will be able to access or modify it until T1 </a:t>
+            </a:r>
+            <a:r>
+              <a:rPr lang="en-US" sz="800" dirty="0" smtClean="0"/>
+              <a:t>finishes the  update operation.</a:t>
+            </a:r>
+            <a:endParaRPr lang="en-US" sz="800" dirty="0"/>
           </a:p>
         </p:txBody>
       </p:sp>
@@ -8613,7 +10379,7 @@
                                 </p:cTn>
                               </p:par>
                               <p:par>
-                                <p:cTn id="11" presetID="1" presetClass="entr" presetSubtype="0" fill="hold" grpId="0" nodeType="withEffect">
+                                <p:cTn id="11" presetID="1" presetClass="entr" presetSubtype="0" fill="hold" nodeType="withEffect">
                                   <p:stCondLst>
                                     <p:cond delay="0"/>
                                   </p:stCondLst>
@@ -8621,6 +10387,60 @@
                                     <p:set>
                                       <p:cBhvr>
                                         <p:cTn id="12" dur="1" fill="hold">
+                                          <p:stCondLst>
+                                            <p:cond delay="0"/>
+                                          </p:stCondLst>
+                                        </p:cTn>
+                                        <p:tgtEl>
+                                          <p:spTgt spid="28"/>
+                                        </p:tgtEl>
+                                        <p:attrNameLst>
+                                          <p:attrName>style.visibility</p:attrName>
+                                        </p:attrNameLst>
+                                      </p:cBhvr>
+                                      <p:to>
+                                        <p:strVal val="visible"/>
+                                      </p:to>
+                                    </p:set>
+                                  </p:childTnLst>
+                                </p:cTn>
+                              </p:par>
+                              <p:par>
+                                <p:cTn id="13" presetID="1" presetClass="entr" presetSubtype="0" fill="hold" grpId="0" nodeType="withEffect">
+                                  <p:stCondLst>
+                                    <p:cond delay="0"/>
+                                  </p:stCondLst>
+                                  <p:childTnLst>
+                                    <p:set>
+                                      <p:cBhvr>
+                                        <p:cTn id="14" dur="1" fill="hold">
+                                          <p:stCondLst>
+                                            <p:cond delay="0"/>
+                                          </p:stCondLst>
+                                        </p:cTn>
+                                        <p:tgtEl>
+                                          <p:spTgt spid="29"/>
+                                        </p:tgtEl>
+                                        <p:attrNameLst>
+                                          <p:attrName>style.visibility</p:attrName>
+                                        </p:attrNameLst>
+                                      </p:cBhvr>
+                                      <p:to>
+                                        <p:strVal val="visible"/>
+                                      </p:to>
+                                    </p:set>
+                                  </p:childTnLst>
+                                </p:cTn>
+                              </p:par>
+                              <p:par>
+                                <p:cTn id="15" presetID="1" presetClass="entr" presetSubtype="0" fill="hold" grpId="0" nodeType="withEffect">
+                                  <p:stCondLst>
+                                    <p:cond delay="0"/>
+                                  </p:stCondLst>
+                                  <p:childTnLst>
+                                    <p:set>
+                                      <p:cBhvr>
+                                        <p:cTn id="16" dur="1" fill="hold">
                                           <p:stCondLst>
                                             <p:cond delay="0"/>
                                           </p:stCondLst>
@@ -8646,26 +10466,26 @@
                     </p:cTn>
                   </p:par>
                   <p:par>
-                    <p:cTn id="13" fill="hold">
+                    <p:cTn id="17" fill="hold">
                       <p:stCondLst>
                         <p:cond delay="indefinite"/>
                       </p:stCondLst>
                       <p:childTnLst>
                         <p:par>
-                          <p:cTn id="14" fill="hold">
+                          <p:cTn id="18" fill="hold">
                             <p:stCondLst>
                               <p:cond delay="0"/>
                             </p:stCondLst>
                             <p:childTnLst>
                               <p:par>
-                                <p:cTn id="15" presetID="10" presetClass="entr" presetSubtype="0" fill="hold" grpId="0" nodeType="clickEffect">
+                                <p:cTn id="19" presetID="10" presetClass="entr" presetSubtype="0" fill="hold" grpId="0" nodeType="clickEffect">
                                   <p:stCondLst>
                                     <p:cond delay="0"/>
                                   </p:stCondLst>
                                   <p:childTnLst>
                                     <p:set>
                                       <p:cBhvr>
-                                        <p:cTn id="16" dur="1" fill="hold">
+                                        <p:cTn id="20" dur="1" fill="hold">
                                           <p:stCondLst>
                                             <p:cond delay="0"/>
                                           </p:stCondLst>
@@ -8683,7 +10503,7 @@
                                     </p:set>
                                     <p:animEffect transition="in" filter="fade">
                                       <p:cBhvr>
-                                        <p:cTn id="17" dur="500"/>
+                                        <p:cTn id="21" dur="500"/>
                                         <p:tgtEl>
                                           <p:spTgt spid="30"/>
                                         </p:tgtEl>
@@ -8699,26 +10519,26 @@
                     </p:cTn>
                   </p:par>
                   <p:par>
-                    <p:cTn id="18" fill="hold">
+                    <p:cTn id="22" fill="hold">
                       <p:stCondLst>
                         <p:cond delay="indefinite"/>
                       </p:stCondLst>
                       <p:childTnLst>
                         <p:par>
-                          <p:cTn id="19" fill="hold">
+                          <p:cTn id="23" fill="hold">
                             <p:stCondLst>
                               <p:cond delay="0"/>
                             </p:stCondLst>
                             <p:childTnLst>
                               <p:par>
-                                <p:cTn id="20" presetID="1" presetClass="entr" presetSubtype="0" fill="hold" grpId="0" nodeType="clickEffect">
+                                <p:cTn id="24" presetID="1" presetClass="entr" presetSubtype="0" fill="hold" grpId="0" nodeType="clickEffect">
                                   <p:stCondLst>
                                     <p:cond delay="0"/>
                                   </p:stCondLst>
                                   <p:childTnLst>
                                     <p:set>
                                       <p:cBhvr>
-                                        <p:cTn id="21" dur="1" fill="hold">
+                                        <p:cTn id="25" dur="1" fill="hold">
                                           <p:stCondLst>
                                             <p:cond delay="0"/>
                                           </p:stCondLst>
@@ -8738,14 +10558,14 @@
                                 </p:cTn>
                               </p:par>
                               <p:par>
-                                <p:cTn id="22" presetID="1" presetClass="entr" presetSubtype="0" fill="hold" grpId="0" nodeType="withEffect">
+                                <p:cTn id="26" presetID="1" presetClass="entr" presetSubtype="0" fill="hold" grpId="0" nodeType="withEffect">
                                   <p:stCondLst>
                                     <p:cond delay="0"/>
                                   </p:stCondLst>
                                   <p:childTnLst>
                                     <p:set>
                                       <p:cBhvr>
-                                        <p:cTn id="23" dur="1" fill="hold">
+                                        <p:cTn id="27" dur="1" fill="hold">
                                           <p:stCondLst>
                                             <p:cond delay="0"/>
                                           </p:stCondLst>
@@ -8765,20 +10585,74 @@
                                 </p:cTn>
                               </p:par>
                               <p:par>
-                                <p:cTn id="24" presetID="1" presetClass="entr" presetSubtype="0" fill="hold" grpId="0" nodeType="withEffect">
+                                <p:cTn id="28" presetID="1" presetClass="entr" presetSubtype="0" fill="hold" grpId="0" nodeType="withEffect">
                                   <p:stCondLst>
                                     <p:cond delay="0"/>
                                   </p:stCondLst>
                                   <p:childTnLst>
                                     <p:set>
                                       <p:cBhvr>
-                                        <p:cTn id="25" dur="1" fill="hold">
+                                        <p:cTn id="29" dur="1" fill="hold">
                                           <p:stCondLst>
                                             <p:cond delay="0"/>
                                           </p:stCondLst>
                                         </p:cTn>
                                         <p:tgtEl>
                                           <p:spTgt spid="34"/>
+                                        </p:tgtEl>
+                                        <p:attrNameLst>
+                                          <p:attrName>style.visibility</p:attrName>
+                                        </p:attrNameLst>
+                                      </p:cBhvr>
+                                      <p:to>
+                                        <p:strVal val="visible"/>
+                                      </p:to>
+                                    </p:set>
+                                  </p:childTnLst>
+                                </p:cTn>
+                              </p:par>
+                              <p:par>
+                                <p:cTn id="30" presetID="1" presetClass="entr" presetSubtype="0" fill="hold" grpId="0" nodeType="withEffect">
+                                  <p:stCondLst>
+                                    <p:cond delay="0"/>
+                                  </p:stCondLst>
+                                  <p:childTnLst>
+                                    <p:set>
+                                      <p:cBhvr>
+                                        <p:cTn id="31" dur="1" fill="hold">
+                                          <p:stCondLst>
+                                            <p:cond delay="0"/>
+                                          </p:stCondLst>
+                                        </p:cTn>
+                                        <p:tgtEl>
+                                          <p:spTgt spid="38"/>
+                                        </p:tgtEl>
+                                        <p:attrNameLst>
+                                          <p:attrName>style.visibility</p:attrName>
+                                        </p:attrNameLst>
+                                      </p:cBhvr>
+                                      <p:to>
+                                        <p:strVal val="visible"/>
+                                      </p:to>
+                                    </p:set>
+                                  </p:childTnLst>
+                                </p:cTn>
+                              </p:par>
+                              <p:par>
+                                <p:cTn id="32" presetID="1" presetClass="entr" presetSubtype="0" fill="hold" nodeType="withEffect">
+                                  <p:stCondLst>
+                                    <p:cond delay="0"/>
+                                  </p:stCondLst>
+                                  <p:childTnLst>
+                                    <p:set>
+                                      <p:cBhvr>
+                                        <p:cTn id="33" dur="1" fill="hold">
+                                          <p:stCondLst>
+                                            <p:cond delay="0"/>
+                                          </p:stCondLst>
+                                        </p:cTn>
+                                        <p:tgtEl>
+                                          <p:spTgt spid="15"/>
                                         </p:tgtEl>
                                         <p:attrNameLst>
                                           <p:attrName>style.visibility</p:attrName>
@@ -8798,26 +10672,26 @@
                     </p:cTn>
                   </p:par>
                   <p:par>
-                    <p:cTn id="26" fill="hold">
+                    <p:cTn id="34" fill="hold">
                       <p:stCondLst>
                         <p:cond delay="indefinite"/>
                       </p:stCondLst>
                       <p:childTnLst>
                         <p:par>
-                          <p:cTn id="27" fill="hold">
+                          <p:cTn id="35" fill="hold">
                             <p:stCondLst>
                               <p:cond delay="0"/>
                             </p:stCondLst>
                             <p:childTnLst>
                               <p:par>
-                                <p:cTn id="28" presetID="1" presetClass="entr" presetSubtype="0" fill="hold" grpId="0" nodeType="clickEffect">
+                                <p:cTn id="36" presetID="1" presetClass="entr" presetSubtype="0" fill="hold" grpId="0" nodeType="clickEffect">
                                   <p:stCondLst>
                                     <p:cond delay="0"/>
                                   </p:stCondLst>
                                   <p:childTnLst>
                                     <p:set>
                                       <p:cBhvr>
-                                        <p:cTn id="29" dur="1" fill="hold">
+                                        <p:cTn id="37" dur="1" fill="hold">
                                           <p:stCondLst>
                                             <p:cond delay="0"/>
                                           </p:stCondLst>
@@ -8837,14 +10711,14 @@
                                 </p:cTn>
                               </p:par>
                               <p:par>
-                                <p:cTn id="30" presetID="10" presetClass="entr" presetSubtype="0" fill="hold" grpId="0" nodeType="withEffect">
+                                <p:cTn id="38" presetID="10" presetClass="entr" presetSubtype="0" fill="hold" grpId="0" nodeType="withEffect">
                                   <p:stCondLst>
                                     <p:cond delay="0"/>
                                   </p:stCondLst>
                                   <p:childTnLst>
                                     <p:set>
                                       <p:cBhvr>
-                                        <p:cTn id="31" dur="1" fill="hold">
+                                        <p:cTn id="39" dur="1" fill="hold">
                                           <p:stCondLst>
                                             <p:cond delay="0"/>
                                           </p:stCondLst>
@@ -8862,7 +10736,7 @@
                                     </p:set>
                                     <p:animEffect transition="in" filter="fade">
                                       <p:cBhvr>
-                                        <p:cTn id="32" dur="500"/>
+                                        <p:cTn id="40" dur="500"/>
                                         <p:tgtEl>
                                           <p:spTgt spid="46"/>
                                         </p:tgtEl>
@@ -8872,14 +10746,14 @@
                                 </p:cTn>
                               </p:par>
                               <p:par>
-                                <p:cTn id="33" presetID="1" presetClass="entr" presetSubtype="0" fill="hold" grpId="0" nodeType="withEffect">
+                                <p:cTn id="41" presetID="1" presetClass="entr" presetSubtype="0" fill="hold" grpId="0" nodeType="withEffect">
                                   <p:stCondLst>
                                     <p:cond delay="0"/>
                                   </p:stCondLst>
                                   <p:childTnLst>
                                     <p:set>
                                       <p:cBhvr>
-                                        <p:cTn id="34" dur="1" fill="hold">
+                                        <p:cTn id="42" dur="1" fill="hold">
                                           <p:stCondLst>
                                             <p:cond delay="0"/>
                                           </p:stCondLst>
@@ -8895,6 +10769,320 @@
                                         <p:strVal val="visible"/>
                                       </p:to>
                                     </p:set>
+                                  </p:childTnLst>
+                                </p:cTn>
+                              </p:par>
+                              <p:par>
+                                <p:cTn id="43" presetID="1" presetClass="entr" presetSubtype="0" fill="hold" grpId="0" nodeType="withEffect">
+                                  <p:stCondLst>
+                                    <p:cond delay="0"/>
+                                  </p:stCondLst>
+                                  <p:childTnLst>
+                                    <p:set>
+                                      <p:cBhvr>
+                                        <p:cTn id="44" dur="1" fill="hold">
+                                          <p:stCondLst>
+                                            <p:cond delay="0"/>
+                                          </p:stCondLst>
+                                        </p:cTn>
+                                        <p:tgtEl>
+                                          <p:spTgt spid="39"/>
+                                        </p:tgtEl>
+                                        <p:attrNameLst>
+                                          <p:attrName>style.visibility</p:attrName>
+                                        </p:attrNameLst>
+                                      </p:cBhvr>
+                                      <p:to>
+                                        <p:strVal val="visible"/>
+                                      </p:to>
+                                    </p:set>
+                                  </p:childTnLst>
+                                </p:cTn>
+                              </p:par>
+                              <p:par>
+                                <p:cTn id="45" presetID="1" presetClass="entr" presetSubtype="0" fill="hold" nodeType="withEffect">
+                                  <p:stCondLst>
+                                    <p:cond delay="0"/>
+                                  </p:stCondLst>
+                                  <p:childTnLst>
+                                    <p:set>
+                                      <p:cBhvr>
+                                        <p:cTn id="46" dur="1" fill="hold">
+                                          <p:stCondLst>
+                                            <p:cond delay="0"/>
+                                          </p:stCondLst>
+                                        </p:cTn>
+                                        <p:tgtEl>
+                                          <p:spTgt spid="19"/>
+                                        </p:tgtEl>
+                                        <p:attrNameLst>
+                                          <p:attrName>style.visibility</p:attrName>
+                                        </p:attrNameLst>
+                                      </p:cBhvr>
+                                      <p:to>
+                                        <p:strVal val="visible"/>
+                                      </p:to>
+                                    </p:set>
+                                  </p:childTnLst>
+                                </p:cTn>
+                              </p:par>
+                            </p:childTnLst>
+                          </p:cTn>
+                        </p:par>
+                      </p:childTnLst>
+                    </p:cTn>
+                  </p:par>
+                  <p:par>
+                    <p:cTn id="47" fill="hold">
+                      <p:stCondLst>
+                        <p:cond delay="indefinite"/>
+                      </p:stCondLst>
+                      <p:childTnLst>
+                        <p:par>
+                          <p:cTn id="48" fill="hold">
+                            <p:stCondLst>
+                              <p:cond delay="0"/>
+                            </p:stCondLst>
+                            <p:childTnLst>
+                              <p:par>
+                                <p:cTn id="49" presetID="1" presetClass="entr" presetSubtype="0" fill="hold" grpId="0" nodeType="clickEffect">
+                                  <p:stCondLst>
+                                    <p:cond delay="0"/>
+                                  </p:stCondLst>
+                                  <p:childTnLst>
+                                    <p:set>
+                                      <p:cBhvr>
+                                        <p:cTn id="50" dur="1" fill="hold">
+                                          <p:stCondLst>
+                                            <p:cond delay="0"/>
+                                          </p:stCondLst>
+                                        </p:cTn>
+                                        <p:tgtEl>
+                                          <p:spTgt spid="41"/>
+                                        </p:tgtEl>
+                                        <p:attrNameLst>
+                                          <p:attrName>style.visibility</p:attrName>
+                                        </p:attrNameLst>
+                                      </p:cBhvr>
+                                      <p:to>
+                                        <p:strVal val="visible"/>
+                                      </p:to>
+                                    </p:set>
+                                  </p:childTnLst>
+                                </p:cTn>
+                              </p:par>
+                            </p:childTnLst>
+                          </p:cTn>
+                        </p:par>
+                      </p:childTnLst>
+                    </p:cTn>
+                  </p:par>
+                  <p:par>
+                    <p:cTn id="51" fill="hold">
+                      <p:stCondLst>
+                        <p:cond delay="indefinite"/>
+                      </p:stCondLst>
+                      <p:childTnLst>
+                        <p:par>
+                          <p:cTn id="52" fill="hold">
+                            <p:stCondLst>
+                              <p:cond delay="0"/>
+                            </p:stCondLst>
+                            <p:childTnLst>
+                              <p:par>
+                                <p:cTn id="53" presetID="1" presetClass="entr" presetSubtype="0" fill="hold" grpId="0" nodeType="clickEffect">
+                                  <p:stCondLst>
+                                    <p:cond delay="0"/>
+                                  </p:stCondLst>
+                                  <p:childTnLst>
+                                    <p:set>
+                                      <p:cBhvr>
+                                        <p:cTn id="54" dur="1" fill="hold">
+                                          <p:stCondLst>
+                                            <p:cond delay="0"/>
+                                          </p:stCondLst>
+                                        </p:cTn>
+                                        <p:tgtEl>
+                                          <p:spTgt spid="40"/>
+                                        </p:tgtEl>
+                                        <p:attrNameLst>
+                                          <p:attrName>style.visibility</p:attrName>
+                                        </p:attrNameLst>
+                                      </p:cBhvr>
+                                      <p:to>
+                                        <p:strVal val="visible"/>
+                                      </p:to>
+                                    </p:set>
+                                  </p:childTnLst>
+                                </p:cTn>
+                              </p:par>
+                              <p:par>
+                                <p:cTn id="55" presetID="1" presetClass="entr" presetSubtype="0" fill="hold" nodeType="withEffect">
+                                  <p:stCondLst>
+                                    <p:cond delay="0"/>
+                                  </p:stCondLst>
+                                  <p:childTnLst>
+                                    <p:set>
+                                      <p:cBhvr>
+                                        <p:cTn id="56" dur="1" fill="hold">
+                                          <p:stCondLst>
+                                            <p:cond delay="0"/>
+                                          </p:stCondLst>
+                                        </p:cTn>
+                                        <p:tgtEl>
+                                          <p:spTgt spid="21"/>
+                                        </p:tgtEl>
+                                        <p:attrNameLst>
+                                          <p:attrName>style.visibility</p:attrName>
+                                        </p:attrNameLst>
+                                      </p:cBhvr>
+                                      <p:to>
+                                        <p:strVal val="visible"/>
+                                      </p:to>
+                                    </p:set>
+                                  </p:childTnLst>
+                                </p:cTn>
+                              </p:par>
+                            </p:childTnLst>
+                          </p:cTn>
+                        </p:par>
+                        <p:par>
+                          <p:cTn id="57" fill="hold">
+                            <p:stCondLst>
+                              <p:cond delay="0"/>
+                            </p:stCondLst>
+                            <p:childTnLst>
+                              <p:par>
+                                <p:cTn id="58" presetID="1" presetClass="entr" presetSubtype="0" fill="hold" grpId="0" nodeType="afterEffect">
+                                  <p:stCondLst>
+                                    <p:cond delay="0"/>
+                                  </p:stCondLst>
+                                  <p:childTnLst>
+                                    <p:set>
+                                      <p:cBhvr>
+                                        <p:cTn id="59" dur="1" fill="hold">
+                                          <p:stCondLst>
+                                            <p:cond delay="0"/>
+                                          </p:stCondLst>
+                                        </p:cTn>
+                                        <p:tgtEl>
+                                          <p:spTgt spid="42"/>
+                                        </p:tgtEl>
+                                        <p:attrNameLst>
+                                          <p:attrName>style.visibility</p:attrName>
+                                        </p:attrNameLst>
+                                      </p:cBhvr>
+                                      <p:to>
+                                        <p:strVal val="visible"/>
+                                      </p:to>
+                                    </p:set>
+                                  </p:childTnLst>
+                                </p:cTn>
+                              </p:par>
+                              <p:par>
+                                <p:cTn id="60" presetID="1" presetClass="entr" presetSubtype="0" fill="hold" grpId="0" nodeType="withEffect">
+                                  <p:stCondLst>
+                                    <p:cond delay="0"/>
+                                  </p:stCondLst>
+                                  <p:childTnLst>
+                                    <p:set>
+                                      <p:cBhvr>
+                                        <p:cTn id="61" dur="1" fill="hold">
+                                          <p:stCondLst>
+                                            <p:cond delay="0"/>
+                                          </p:stCondLst>
+                                        </p:cTn>
+                                        <p:tgtEl>
+                                          <p:spTgt spid="43"/>
+                                        </p:tgtEl>
+                                        <p:attrNameLst>
+                                          <p:attrName>style.visibility</p:attrName>
+                                        </p:attrNameLst>
+                                      </p:cBhvr>
+                                      <p:to>
+                                        <p:strVal val="visible"/>
+                                      </p:to>
+                                    </p:set>
+                                  </p:childTnLst>
+                                </p:cTn>
+                              </p:par>
+                              <p:par>
+                                <p:cTn id="62" presetID="1" presetClass="entr" presetSubtype="0" fill="hold" grpId="0" nodeType="withEffect">
+                                  <p:stCondLst>
+                                    <p:cond delay="0"/>
+                                  </p:stCondLst>
+                                  <p:childTnLst>
+                                    <p:set>
+                                      <p:cBhvr>
+                                        <p:cTn id="63" dur="1" fill="hold">
+                                          <p:stCondLst>
+                                            <p:cond delay="0"/>
+                                          </p:stCondLst>
+                                        </p:cTn>
+                                        <p:tgtEl>
+                                          <p:spTgt spid="44"/>
+                                        </p:tgtEl>
+                                        <p:attrNameLst>
+                                          <p:attrName>style.visibility</p:attrName>
+                                        </p:attrNameLst>
+                                      </p:cBhvr>
+                                      <p:to>
+                                        <p:strVal val="visible"/>
+                                      </p:to>
+                                    </p:set>
+                                  </p:childTnLst>
+                                </p:cTn>
+                              </p:par>
+                            </p:childTnLst>
+                          </p:cTn>
+                        </p:par>
+                      </p:childTnLst>
+                    </p:cTn>
+                  </p:par>
+                  <p:par>
+                    <p:cTn id="64" fill="hold">
+                      <p:stCondLst>
+                        <p:cond delay="indefinite"/>
+                      </p:stCondLst>
+                      <p:childTnLst>
+                        <p:par>
+                          <p:cTn id="65" fill="hold">
+                            <p:stCondLst>
+                              <p:cond delay="0"/>
+                            </p:stCondLst>
+                            <p:childTnLst>
+                              <p:par>
+                                <p:cTn id="66" presetID="16" presetClass="entr" presetSubtype="21" fill="hold" grpId="0" nodeType="clickEffect">
+                                  <p:stCondLst>
+                                    <p:cond delay="0"/>
+                                  </p:stCondLst>
+                                  <p:childTnLst>
+                                    <p:set>
+                                      <p:cBhvr>
+                                        <p:cTn id="67" dur="1" fill="hold">
+                                          <p:stCondLst>
+                                            <p:cond delay="0"/>
+                                          </p:stCondLst>
+                                        </p:cTn>
+                                        <p:tgtEl>
+                                          <p:spTgt spid="49"/>
+                                        </p:tgtEl>
+                                        <p:attrNameLst>
+                                          <p:attrName>style.visibility</p:attrName>
+                                        </p:attrNameLst>
+                                      </p:cBhvr>
+                                      <p:to>
+                                        <p:strVal val="visible"/>
+                                      </p:to>
+                                    </p:set>
+                                    <p:animEffect transition="in" filter="barn(inVertical)">
+                                      <p:cBhvr>
+                                        <p:cTn id="68" dur="500"/>
+                                        <p:tgtEl>
+                                          <p:spTgt spid="49"/>
+                                        </p:tgtEl>
+                                      </p:cBhvr>
+                                    </p:animEffect>
                                   </p:childTnLst>
                                 </p:cTn>
                               </p:par>
@@ -8937,6 +11125,15 @@
       <p:bldP spid="46" grpId="0" animBg="1"/>
       <p:bldP spid="47" grpId="0" animBg="1"/>
       <p:bldP spid="48" grpId="0" animBg="1"/>
+      <p:bldP spid="29" grpId="0" animBg="1"/>
+      <p:bldP spid="38" grpId="0" animBg="1"/>
+      <p:bldP spid="39" grpId="0" animBg="1"/>
+      <p:bldP spid="40" grpId="0" animBg="1"/>
+      <p:bldP spid="41" grpId="0" animBg="1"/>
+      <p:bldP spid="42" grpId="0" animBg="1"/>
+      <p:bldP spid="43" grpId="0" animBg="1"/>
+      <p:bldP spid="44" grpId="0" animBg="1"/>
+      <p:bldP spid="49" grpId="0" animBg="1"/>
     </p:bldLst>
   </p:timing>
 </p:sld>
